--- a/DOCUMENTAZIONE/Presentazione - AudioRecognizer (1).pptx
+++ b/DOCUMENTAZIONE/Presentazione - AudioRecognizer (1).pptx
@@ -2,23 +2,24 @@
 <file path=ppt/presentation.xml><?xml version="1.0" encoding="utf-8"?>
 <p:presentation xmlns:a="http://schemas.openxmlformats.org/drawingml/2006/main" xmlns:r="http://schemas.openxmlformats.org/officeDocument/2006/relationships" xmlns:p="http://schemas.openxmlformats.org/presentationml/2006/main" saveSubsetFonts="1">
   <p:sldMasterIdLst>
-    <p:sldMasterId id="2147484276" r:id="rId1"/>
+    <p:sldMasterId id="2147484276" r:id="rId3"/>
   </p:sldMasterIdLst>
   <p:sldIdLst>
-    <p:sldId id="256" r:id="rId2"/>
-    <p:sldId id="258" r:id="rId3"/>
-    <p:sldId id="269" r:id="rId4"/>
-    <p:sldId id="262" r:id="rId5"/>
-    <p:sldId id="259" r:id="rId6"/>
-    <p:sldId id="260" r:id="rId7"/>
-    <p:sldId id="267" r:id="rId8"/>
-    <p:sldId id="271" r:id="rId9"/>
-    <p:sldId id="264" r:id="rId10"/>
-    <p:sldId id="268" r:id="rId11"/>
-    <p:sldId id="261" r:id="rId12"/>
-    <p:sldId id="263" r:id="rId13"/>
-    <p:sldId id="270" r:id="rId14"/>
-    <p:sldId id="265" r:id="rId15"/>
+    <p:sldId id="256" r:id="rId4"/>
+    <p:sldId id="258" r:id="rId5"/>
+    <p:sldId id="269" r:id="rId6"/>
+    <p:sldId id="262" r:id="rId7"/>
+    <p:sldId id="259" r:id="rId8"/>
+    <p:sldId id="260" r:id="rId9"/>
+    <p:sldId id="267" r:id="rId10"/>
+    <p:sldId id="272" r:id="rId11"/>
+    <p:sldId id="271" r:id="rId12"/>
+    <p:sldId id="264" r:id="rId13"/>
+    <p:sldId id="268" r:id="rId14"/>
+    <p:sldId id="261" r:id="rId15"/>
+    <p:sldId id="263" r:id="rId16"/>
+    <p:sldId id="270" r:id="rId17"/>
+    <p:sldId id="265" r:id="rId18"/>
   </p:sldIdLst>
   <p:sldSz cx="12192000" cy="6858000"/>
   <p:notesSz cx="6858000" cy="9144000"/>
@@ -274,7 +275,7 @@
           <a:p>
             <a:fld id="{C43A76A3-ADC8-4477-8FC1-B9DD55D84908}" type="datetime1">
               <a:rPr lang="en-US" smtClean="0"/>
-              <a:t>6/26/22</a:t>
+              <a:t>7/4/2022</a:t>
             </a:fld>
             <a:endParaRPr lang="en-US" dirty="0"/>
           </a:p>
@@ -472,7 +473,7 @@
           <a:p>
             <a:fld id="{D6762538-DC4D-4667-96E5-B3278DDF8B12}" type="datetime1">
               <a:rPr lang="en-US" smtClean="0"/>
-              <a:t>6/26/22</a:t>
+              <a:t>7/4/2022</a:t>
             </a:fld>
             <a:endParaRPr lang="en-US"/>
           </a:p>
@@ -680,7 +681,7 @@
           <a:p>
             <a:fld id="{05880548-5C08-4BE3-B63E-F2BB63B0B00C}" type="datetime1">
               <a:rPr lang="en-US" smtClean="0"/>
-              <a:t>6/26/22</a:t>
+              <a:t>7/4/2022</a:t>
             </a:fld>
             <a:endParaRPr lang="en-US"/>
           </a:p>
@@ -878,7 +879,7 @@
           <a:p>
             <a:fld id="{DE7F49BE-398D-479A-8A7E-5DDBCA61EDCB}" type="datetime1">
               <a:rPr lang="en-US" smtClean="0"/>
-              <a:t>6/26/22</a:t>
+              <a:t>7/4/2022</a:t>
             </a:fld>
             <a:endParaRPr lang="en-US"/>
           </a:p>
@@ -1154,7 +1155,7 @@
           <a:p>
             <a:fld id="{CCD0C193-4974-4A1F-9C63-07D595E30D66}" type="datetime1">
               <a:rPr lang="en-US" smtClean="0"/>
-              <a:t>6/26/22</a:t>
+              <a:t>7/4/2022</a:t>
             </a:fld>
             <a:endParaRPr lang="en-US"/>
           </a:p>
@@ -1421,7 +1422,7 @@
           <a:p>
             <a:fld id="{701AA87F-28D4-4BF0-B81F-877A89DFD5AC}" type="datetime1">
               <a:rPr lang="en-US" smtClean="0"/>
-              <a:t>6/26/22</a:t>
+              <a:t>7/4/2022</a:t>
             </a:fld>
             <a:endParaRPr lang="en-US"/>
           </a:p>
@@ -1835,7 +1836,7 @@
           <a:p>
             <a:fld id="{A8A9F1F3-208B-49A3-B337-9C8ACEB3E0E1}" type="datetime1">
               <a:rPr lang="en-US" smtClean="0"/>
-              <a:t>6/26/22</a:t>
+              <a:t>7/4/2022</a:t>
             </a:fld>
             <a:endParaRPr lang="en-US"/>
           </a:p>
@@ -1982,7 +1983,7 @@
           <a:p>
             <a:fld id="{27AF6CA6-7293-4AA2-A0E0-A3BF4416E786}" type="datetime1">
               <a:rPr lang="en-US" smtClean="0"/>
-              <a:t>6/26/22</a:t>
+              <a:t>7/4/2022</a:t>
             </a:fld>
             <a:endParaRPr lang="en-US"/>
           </a:p>
@@ -2095,7 +2096,7 @@
           <a:p>
             <a:fld id="{98D87016-7BCD-46FB-8EE3-AB6C369108B4}" type="datetime1">
               <a:rPr lang="en-US" smtClean="0"/>
-              <a:t>6/26/22</a:t>
+              <a:t>7/4/2022</a:t>
             </a:fld>
             <a:endParaRPr lang="en-US"/>
           </a:p>
@@ -2414,7 +2415,7 @@
           <a:p>
             <a:fld id="{A1547011-1FFC-4EF8-9A2E-53B4AD2ADBD4}" type="datetime1">
               <a:rPr lang="en-US" smtClean="0"/>
-              <a:t>6/26/22</a:t>
+              <a:t>7/4/2022</a:t>
             </a:fld>
             <a:endParaRPr lang="en-US"/>
           </a:p>
@@ -2709,7 +2710,7 @@
           <a:p>
             <a:fld id="{9562EB47-45B4-4EF5-A743-B4885DD2F060}" type="datetime1">
               <a:rPr lang="en-US" smtClean="0"/>
-              <a:t>6/26/22</a:t>
+              <a:t>7/4/2022</a:t>
             </a:fld>
             <a:endParaRPr lang="en-US"/>
           </a:p>
@@ -4094,7 +4095,7 @@
           <a:p>
             <a:fld id="{4A8D24A4-5FEC-4062-8995-EB21925B3B40}" type="datetime1">
               <a:rPr lang="en-US" smtClean="0"/>
-              <a:t>6/26/22</a:t>
+              <a:t>7/4/2022</a:t>
             </a:fld>
             <a:endParaRPr lang="en-US" sz="1000" dirty="0"/>
           </a:p>
@@ -5635,6 +5636,86 @@
           </a:p>
         </p:txBody>
       </p:sp>
+      <p:sp>
+        <p:nvSpPr>
+          <p:cNvPr id="2" name="Titolo 1">
+            <a:extLst>
+              <a:ext uri="{FF2B5EF4-FFF2-40B4-BE49-F238E27FC236}">
+                <a16:creationId xmlns:a16="http://schemas.microsoft.com/office/drawing/2014/main" id="{B82C22EB-BEEB-10AC-3892-797A929D89B9}"/>
+              </a:ext>
+            </a:extLst>
+          </p:cNvPr>
+          <p:cNvSpPr>
+            <a:spLocks noGrp="1"/>
+          </p:cNvSpPr>
+          <p:nvPr>
+            <p:ph type="ctrTitle"/>
+          </p:nvPr>
+        </p:nvSpPr>
+        <p:spPr>
+          <a:xfrm>
+            <a:off x="777238" y="1122363"/>
+            <a:ext cx="6614161" cy="1313106"/>
+          </a:xfrm>
+        </p:spPr>
+        <p:txBody>
+          <a:bodyPr>
+            <a:normAutofit/>
+          </a:bodyPr>
+          <a:lstStyle/>
+          <a:p>
+            <a:pPr algn="l"/>
+            <a:r>
+              <a:rPr lang="it-IT" dirty="0"/>
+              <a:t>Aspetti tecnici</a:t>
+            </a:r>
+          </a:p>
+        </p:txBody>
+      </p:sp>
+      <p:sp>
+        <p:nvSpPr>
+          <p:cNvPr id="3" name="Sottotitolo 2">
+            <a:extLst>
+              <a:ext uri="{FF2B5EF4-FFF2-40B4-BE49-F238E27FC236}">
+                <a16:creationId xmlns:a16="http://schemas.microsoft.com/office/drawing/2014/main" id="{811DFDED-5484-959A-747B-ACFBBB911902}"/>
+              </a:ext>
+            </a:extLst>
+          </p:cNvPr>
+          <p:cNvSpPr>
+            <a:spLocks noGrp="1"/>
+          </p:cNvSpPr>
+          <p:nvPr>
+            <p:ph type="subTitle" idx="1"/>
+          </p:nvPr>
+        </p:nvSpPr>
+        <p:spPr>
+          <a:xfrm>
+            <a:off x="777238" y="2435469"/>
+            <a:ext cx="6614161" cy="4299439"/>
+          </a:xfrm>
+        </p:spPr>
+        <p:txBody>
+          <a:bodyPr>
+            <a:normAutofit/>
+          </a:bodyPr>
+          <a:lstStyle/>
+          <a:p>
+            <a:pPr algn="l"/>
+            <a:r>
+              <a:rPr lang="it-IT" i="1" dirty="0"/>
+              <a:t>E’ fondamentale che si utilizzino audio con le giuste caratteristiche, ovvero con canale mono a 16 kHz, infatti al processamento di ogni file viene anteposta una fase di conversione. Successivamente grazie all’utilizzo di un file CSV e della libreria «</a:t>
+            </a:r>
+            <a:r>
+              <a:rPr lang="it-IT" i="1" dirty="0" err="1"/>
+              <a:t>pandas</a:t>
+            </a:r>
+            <a:r>
+              <a:rPr lang="it-IT" i="1" dirty="0"/>
+              <a:t>» viene creata una struttura contenente tutti i dati utili, sfruttando le diverse categorie in cui sono stati divisi i dati.</a:t>
+            </a:r>
+          </a:p>
+        </p:txBody>
+      </p:sp>
       <p:grpSp>
         <p:nvGrpSpPr>
           <p:cNvPr id="30" name="decorative circles">
@@ -6048,186 +6129,10 @@
           </a:custGeom>
         </p:spPr>
       </p:pic>
-      <p:sp>
-        <p:nvSpPr>
-          <p:cNvPr id="8" name="Sottotitolo 7">
-            <a:extLst>
-              <a:ext uri="{FF2B5EF4-FFF2-40B4-BE49-F238E27FC236}">
-                <a16:creationId xmlns:a16="http://schemas.microsoft.com/office/drawing/2014/main" id="{BD53C13D-1C8C-29E3-2406-61FD97E6B0F4}"/>
-              </a:ext>
-            </a:extLst>
-          </p:cNvPr>
-          <p:cNvSpPr>
-            <a:spLocks noGrp="1"/>
-          </p:cNvSpPr>
-          <p:nvPr>
-            <p:ph type="subTitle" idx="1"/>
-          </p:nvPr>
-        </p:nvSpPr>
-        <p:spPr>
-          <a:xfrm>
-            <a:off x="5956900" y="1028435"/>
-            <a:ext cx="6272853" cy="5621738"/>
-          </a:xfrm>
-        </p:spPr>
-        <p:txBody>
-          <a:bodyPr>
-            <a:normAutofit/>
-          </a:bodyPr>
-          <a:lstStyle/>
-          <a:p>
-            <a:r>
-              <a:rPr lang="it-IT" sz="2800" b="1" dirty="0"/>
-              <a:t>Mappiamo la classe audio secondo una decodifica UTF-8 ed effettuiamo l’inferenza sull’audio inserito in input.</a:t>
-            </a:r>
-          </a:p>
-          <a:p>
-            <a:endParaRPr lang="it-IT" dirty="0"/>
-          </a:p>
-        </p:txBody>
-      </p:sp>
-      <p:pic>
-        <p:nvPicPr>
-          <p:cNvPr id="9" name="Immagine 8">
-            <a:extLst>
-              <a:ext uri="{FF2B5EF4-FFF2-40B4-BE49-F238E27FC236}">
-                <a16:creationId xmlns:a16="http://schemas.microsoft.com/office/drawing/2014/main" id="{9A7354DF-2E62-75A9-FE5F-2518945F6E69}"/>
-              </a:ext>
-            </a:extLst>
-          </p:cNvPr>
-          <p:cNvPicPr>
-            <a:picLocks noChangeAspect="1"/>
-          </p:cNvPicPr>
-          <p:nvPr/>
-        </p:nvPicPr>
-        <p:blipFill>
-          <a:blip r:embed="rId3"/>
-          <a:stretch>
-            <a:fillRect/>
-          </a:stretch>
-        </p:blipFill>
-        <p:spPr>
-          <a:xfrm>
-            <a:off x="335391" y="174257"/>
-            <a:ext cx="5727032" cy="3307606"/>
-          </a:xfrm>
-          <a:prstGeom prst="rect">
-            <a:avLst/>
-          </a:prstGeom>
-          <a:ln w="38100" cap="sq">
-            <a:solidFill>
-              <a:srgbClr val="000000"/>
-            </a:solidFill>
-            <a:prstDash val="solid"/>
-            <a:miter lim="800000"/>
-          </a:ln>
-          <a:effectLst>
-            <a:outerShdw blurRad="50800" dist="38100" dir="2700000" algn="tl" rotWithShape="0">
-              <a:srgbClr val="000000">
-                <a:alpha val="43000"/>
-              </a:srgbClr>
-            </a:outerShdw>
-          </a:effectLst>
-        </p:spPr>
-      </p:pic>
-      <p:pic>
-        <p:nvPicPr>
-          <p:cNvPr id="10" name="Immagine 9">
-            <a:extLst>
-              <a:ext uri="{FF2B5EF4-FFF2-40B4-BE49-F238E27FC236}">
-                <a16:creationId xmlns:a16="http://schemas.microsoft.com/office/drawing/2014/main" id="{4BCC6BD7-0D87-6669-849B-0DFF61ED89C9}"/>
-              </a:ext>
-            </a:extLst>
-          </p:cNvPr>
-          <p:cNvPicPr>
-            <a:picLocks noChangeAspect="1"/>
-          </p:cNvPicPr>
-          <p:nvPr/>
-        </p:nvPicPr>
-        <p:blipFill>
-          <a:blip r:embed="rId4"/>
-          <a:stretch>
-            <a:fillRect/>
-          </a:stretch>
-        </p:blipFill>
-        <p:spPr>
-          <a:xfrm>
-            <a:off x="335391" y="3771679"/>
-            <a:ext cx="5699119" cy="2839764"/>
-          </a:xfrm>
-          <a:prstGeom prst="rect">
-            <a:avLst/>
-          </a:prstGeom>
-          <a:ln w="38100" cap="sq">
-            <a:solidFill>
-              <a:srgbClr val="000000"/>
-            </a:solidFill>
-            <a:prstDash val="solid"/>
-            <a:miter lim="800000"/>
-          </a:ln>
-          <a:effectLst>
-            <a:outerShdw blurRad="50800" dist="38100" dir="2700000" algn="tl" rotWithShape="0">
-              <a:srgbClr val="000000">
-                <a:alpha val="43000"/>
-              </a:srgbClr>
-            </a:outerShdw>
-          </a:effectLst>
-        </p:spPr>
-      </p:pic>
-      <p:sp>
-        <p:nvSpPr>
-          <p:cNvPr id="11" name="CasellaDiTesto 10">
-            <a:extLst>
-              <a:ext uri="{FF2B5EF4-FFF2-40B4-BE49-F238E27FC236}">
-                <a16:creationId xmlns:a16="http://schemas.microsoft.com/office/drawing/2014/main" id="{2B756794-B30E-1567-2383-FF907640044A}"/>
-              </a:ext>
-            </a:extLst>
-          </p:cNvPr>
-          <p:cNvSpPr txBox="1"/>
-          <p:nvPr/>
-        </p:nvSpPr>
-        <p:spPr>
-          <a:xfrm>
-            <a:off x="6267730" y="4384810"/>
-            <a:ext cx="5910297" cy="2123658"/>
-          </a:xfrm>
-          <a:prstGeom prst="rect">
-            <a:avLst/>
-          </a:prstGeom>
-          <a:noFill/>
-        </p:spPr>
-        <p:txBody>
-          <a:bodyPr wrap="square" rtlCol="0">
-            <a:spAutoFit/>
-          </a:bodyPr>
-          <a:lstStyle/>
-          <a:p>
-            <a:r>
-              <a:rPr lang="it-IT" sz="2800" b="1" dirty="0"/>
-              <a:t>Effettuiamo l’incorporamento dei dati</a:t>
-            </a:r>
-          </a:p>
-          <a:p>
-            <a:endParaRPr lang="it-IT" sz="2400" b="1" dirty="0"/>
-          </a:p>
-          <a:p>
-            <a:endParaRPr lang="it-IT" sz="2000" b="1" dirty="0"/>
-          </a:p>
-          <a:p>
-            <a:endParaRPr lang="it-IT" sz="2000" b="1" dirty="0"/>
-          </a:p>
-          <a:p>
-            <a:endParaRPr lang="it-IT" sz="2000" b="1" dirty="0"/>
-          </a:p>
-          <a:p>
-            <a:endParaRPr lang="it-IT" sz="2000" b="1" dirty="0"/>
-          </a:p>
-        </p:txBody>
-      </p:sp>
     </p:spTree>
     <p:extLst>
       <p:ext uri="{BB962C8B-B14F-4D97-AF65-F5344CB8AC3E}">
-        <p14:creationId xmlns:p14="http://schemas.microsoft.com/office/powerpoint/2010/main" val="3401331519"/>
+        <p14:creationId xmlns:p14="http://schemas.microsoft.com/office/powerpoint/2010/main" val="1710756878"/>
       </p:ext>
     </p:extLst>
   </p:cSld>
@@ -6390,101 +6295,6 @@
               </a:solidFill>
               <a:latin typeface="+mj-lt"/>
             </a:endParaRPr>
-          </a:p>
-        </p:txBody>
-      </p:sp>
-      <p:sp>
-        <p:nvSpPr>
-          <p:cNvPr id="2" name="Titolo 1">
-            <a:extLst>
-              <a:ext uri="{FF2B5EF4-FFF2-40B4-BE49-F238E27FC236}">
-                <a16:creationId xmlns:a16="http://schemas.microsoft.com/office/drawing/2014/main" id="{B82C22EB-BEEB-10AC-3892-797A929D89B9}"/>
-              </a:ext>
-            </a:extLst>
-          </p:cNvPr>
-          <p:cNvSpPr>
-            <a:spLocks noGrp="1"/>
-          </p:cNvSpPr>
-          <p:nvPr>
-            <p:ph type="ctrTitle"/>
-          </p:nvPr>
-        </p:nvSpPr>
-        <p:spPr>
-          <a:xfrm>
-            <a:off x="777238" y="1122363"/>
-            <a:ext cx="6614161" cy="1313106"/>
-          </a:xfrm>
-        </p:spPr>
-        <p:txBody>
-          <a:bodyPr>
-            <a:normAutofit/>
-          </a:bodyPr>
-          <a:lstStyle/>
-          <a:p>
-            <a:pPr algn="l"/>
-            <a:r>
-              <a:rPr lang="it-IT" dirty="0"/>
-              <a:t>Funzionamento</a:t>
-            </a:r>
-          </a:p>
-        </p:txBody>
-      </p:sp>
-      <p:sp>
-        <p:nvSpPr>
-          <p:cNvPr id="3" name="Sottotitolo 2">
-            <a:extLst>
-              <a:ext uri="{FF2B5EF4-FFF2-40B4-BE49-F238E27FC236}">
-                <a16:creationId xmlns:a16="http://schemas.microsoft.com/office/drawing/2014/main" id="{811DFDED-5484-959A-747B-ACFBBB911902}"/>
-              </a:ext>
-            </a:extLst>
-          </p:cNvPr>
-          <p:cNvSpPr>
-            <a:spLocks noGrp="1"/>
-          </p:cNvSpPr>
-          <p:nvPr>
-            <p:ph type="subTitle" idx="1"/>
-          </p:nvPr>
-        </p:nvSpPr>
-        <p:spPr>
-          <a:xfrm>
-            <a:off x="777238" y="2435469"/>
-            <a:ext cx="6614161" cy="4299439"/>
-          </a:xfrm>
-        </p:spPr>
-        <p:txBody>
-          <a:bodyPr>
-            <a:normAutofit/>
-          </a:bodyPr>
-          <a:lstStyle/>
-          <a:p>
-            <a:pPr algn="l"/>
-            <a:r>
-              <a:rPr lang="it-IT" i="1" dirty="0"/>
-              <a:t>Il sistema mette insieme tutte le componenti fondamentali tra </a:t>
-            </a:r>
-            <a:r>
-              <a:rPr lang="it-IT" i="1" dirty="0" err="1"/>
-              <a:t>TensorFlow</a:t>
-            </a:r>
-            <a:r>
-              <a:rPr lang="it-IT" i="1" dirty="0"/>
-              <a:t>, </a:t>
-            </a:r>
-            <a:r>
-              <a:rPr lang="it-IT" i="1" dirty="0" err="1"/>
-              <a:t>YAMNet</a:t>
-            </a:r>
-            <a:r>
-              <a:rPr lang="it-IT" i="1" dirty="0"/>
-              <a:t> e il dataset per addestrare un modello. Questo è responsabile dell’apprendimento del sistema.</a:t>
-            </a:r>
-          </a:p>
-          <a:p>
-            <a:pPr algn="l"/>
-            <a:r>
-              <a:rPr lang="it-IT" b="1" i="1" dirty="0"/>
-              <a:t>L’accuratezza del riconoscimento è fortemente dipendente dalla grandezza del dataset su cui viene addestrato.</a:t>
-            </a:r>
           </a:p>
         </p:txBody>
       </p:sp>
@@ -6901,6 +6711,859 @@
           </a:custGeom>
         </p:spPr>
       </p:pic>
+      <p:sp>
+        <p:nvSpPr>
+          <p:cNvPr id="8" name="Sottotitolo 7">
+            <a:extLst>
+              <a:ext uri="{FF2B5EF4-FFF2-40B4-BE49-F238E27FC236}">
+                <a16:creationId xmlns:a16="http://schemas.microsoft.com/office/drawing/2014/main" id="{BD53C13D-1C8C-29E3-2406-61FD97E6B0F4}"/>
+              </a:ext>
+            </a:extLst>
+          </p:cNvPr>
+          <p:cNvSpPr>
+            <a:spLocks noGrp="1"/>
+          </p:cNvSpPr>
+          <p:nvPr>
+            <p:ph type="subTitle" idx="1"/>
+          </p:nvPr>
+        </p:nvSpPr>
+        <p:spPr>
+          <a:xfrm>
+            <a:off x="5956900" y="1028435"/>
+            <a:ext cx="6272853" cy="5621738"/>
+          </a:xfrm>
+        </p:spPr>
+        <p:txBody>
+          <a:bodyPr>
+            <a:normAutofit/>
+          </a:bodyPr>
+          <a:lstStyle/>
+          <a:p>
+            <a:r>
+              <a:rPr lang="it-IT" sz="2800" b="1" dirty="0"/>
+              <a:t>Mappiamo la classe audio secondo una decodifica UTF-8 ed effettuiamo l’inferenza sull’audio inserito in input.</a:t>
+            </a:r>
+          </a:p>
+          <a:p>
+            <a:endParaRPr lang="it-IT" dirty="0"/>
+          </a:p>
+        </p:txBody>
+      </p:sp>
+      <p:pic>
+        <p:nvPicPr>
+          <p:cNvPr id="9" name="Immagine 8">
+            <a:extLst>
+              <a:ext uri="{FF2B5EF4-FFF2-40B4-BE49-F238E27FC236}">
+                <a16:creationId xmlns:a16="http://schemas.microsoft.com/office/drawing/2014/main" id="{9A7354DF-2E62-75A9-FE5F-2518945F6E69}"/>
+              </a:ext>
+            </a:extLst>
+          </p:cNvPr>
+          <p:cNvPicPr>
+            <a:picLocks noChangeAspect="1"/>
+          </p:cNvPicPr>
+          <p:nvPr/>
+        </p:nvPicPr>
+        <p:blipFill>
+          <a:blip r:embed="rId3"/>
+          <a:stretch>
+            <a:fillRect/>
+          </a:stretch>
+        </p:blipFill>
+        <p:spPr>
+          <a:xfrm>
+            <a:off x="335391" y="174257"/>
+            <a:ext cx="5727032" cy="3307606"/>
+          </a:xfrm>
+          <a:prstGeom prst="rect">
+            <a:avLst/>
+          </a:prstGeom>
+          <a:ln w="38100" cap="sq">
+            <a:solidFill>
+              <a:srgbClr val="000000"/>
+            </a:solidFill>
+            <a:prstDash val="solid"/>
+            <a:miter lim="800000"/>
+          </a:ln>
+          <a:effectLst>
+            <a:outerShdw blurRad="50800" dist="38100" dir="2700000" algn="tl" rotWithShape="0">
+              <a:srgbClr val="000000">
+                <a:alpha val="43000"/>
+              </a:srgbClr>
+            </a:outerShdw>
+          </a:effectLst>
+        </p:spPr>
+      </p:pic>
+      <p:pic>
+        <p:nvPicPr>
+          <p:cNvPr id="10" name="Immagine 9">
+            <a:extLst>
+              <a:ext uri="{FF2B5EF4-FFF2-40B4-BE49-F238E27FC236}">
+                <a16:creationId xmlns:a16="http://schemas.microsoft.com/office/drawing/2014/main" id="{4BCC6BD7-0D87-6669-849B-0DFF61ED89C9}"/>
+              </a:ext>
+            </a:extLst>
+          </p:cNvPr>
+          <p:cNvPicPr>
+            <a:picLocks noChangeAspect="1"/>
+          </p:cNvPicPr>
+          <p:nvPr/>
+        </p:nvPicPr>
+        <p:blipFill>
+          <a:blip r:embed="rId4"/>
+          <a:stretch>
+            <a:fillRect/>
+          </a:stretch>
+        </p:blipFill>
+        <p:spPr>
+          <a:xfrm>
+            <a:off x="335391" y="3771679"/>
+            <a:ext cx="5699119" cy="2839764"/>
+          </a:xfrm>
+          <a:prstGeom prst="rect">
+            <a:avLst/>
+          </a:prstGeom>
+          <a:ln w="38100" cap="sq">
+            <a:solidFill>
+              <a:srgbClr val="000000"/>
+            </a:solidFill>
+            <a:prstDash val="solid"/>
+            <a:miter lim="800000"/>
+          </a:ln>
+          <a:effectLst>
+            <a:outerShdw blurRad="50800" dist="38100" dir="2700000" algn="tl" rotWithShape="0">
+              <a:srgbClr val="000000">
+                <a:alpha val="43000"/>
+              </a:srgbClr>
+            </a:outerShdw>
+          </a:effectLst>
+        </p:spPr>
+      </p:pic>
+      <p:sp>
+        <p:nvSpPr>
+          <p:cNvPr id="11" name="CasellaDiTesto 10">
+            <a:extLst>
+              <a:ext uri="{FF2B5EF4-FFF2-40B4-BE49-F238E27FC236}">
+                <a16:creationId xmlns:a16="http://schemas.microsoft.com/office/drawing/2014/main" id="{2B756794-B30E-1567-2383-FF907640044A}"/>
+              </a:ext>
+            </a:extLst>
+          </p:cNvPr>
+          <p:cNvSpPr txBox="1"/>
+          <p:nvPr/>
+        </p:nvSpPr>
+        <p:spPr>
+          <a:xfrm>
+            <a:off x="6267730" y="4384810"/>
+            <a:ext cx="5910297" cy="2123658"/>
+          </a:xfrm>
+          <a:prstGeom prst="rect">
+            <a:avLst/>
+          </a:prstGeom>
+          <a:noFill/>
+        </p:spPr>
+        <p:txBody>
+          <a:bodyPr wrap="square" rtlCol="0">
+            <a:spAutoFit/>
+          </a:bodyPr>
+          <a:lstStyle/>
+          <a:p>
+            <a:r>
+              <a:rPr lang="it-IT" sz="2800" b="1" dirty="0"/>
+              <a:t>Effettuiamo l’incorporamento dei dati</a:t>
+            </a:r>
+          </a:p>
+          <a:p>
+            <a:endParaRPr lang="it-IT" sz="2400" b="1" dirty="0"/>
+          </a:p>
+          <a:p>
+            <a:endParaRPr lang="it-IT" sz="2000" b="1" dirty="0"/>
+          </a:p>
+          <a:p>
+            <a:endParaRPr lang="it-IT" sz="2000" b="1" dirty="0"/>
+          </a:p>
+          <a:p>
+            <a:endParaRPr lang="it-IT" sz="2000" b="1" dirty="0"/>
+          </a:p>
+          <a:p>
+            <a:endParaRPr lang="it-IT" sz="2000" b="1" dirty="0"/>
+          </a:p>
+        </p:txBody>
+      </p:sp>
+    </p:spTree>
+    <p:extLst>
+      <p:ext uri="{BB962C8B-B14F-4D97-AF65-F5344CB8AC3E}">
+        <p14:creationId xmlns:p14="http://schemas.microsoft.com/office/powerpoint/2010/main" val="3401331519"/>
+      </p:ext>
+    </p:extLst>
+  </p:cSld>
+  <p:clrMapOvr>
+    <a:masterClrMapping/>
+  </p:clrMapOvr>
+</p:sld>
+</file>
+
+<file path=ppt/slides/slide12.xml><?xml version="1.0" encoding="utf-8"?>
+<p:sld xmlns:a="http://schemas.openxmlformats.org/drawingml/2006/main" xmlns:r="http://schemas.openxmlformats.org/officeDocument/2006/relationships" xmlns:p="http://schemas.openxmlformats.org/presentationml/2006/main">
+  <p:cSld>
+    <p:bg>
+      <p:bgPr>
+        <a:solidFill>
+          <a:schemeClr val="bg1"/>
+        </a:solidFill>
+        <a:effectLst/>
+      </p:bgPr>
+    </p:bg>
+    <p:spTree>
+      <p:nvGrpSpPr>
+        <p:cNvPr id="1" name=""/>
+        <p:cNvGrpSpPr/>
+        <p:nvPr/>
+      </p:nvGrpSpPr>
+      <p:grpSpPr>
+        <a:xfrm>
+          <a:off x="0" y="0"/>
+          <a:ext cx="0" cy="0"/>
+          <a:chOff x="0" y="0"/>
+          <a:chExt cx="0" cy="0"/>
+        </a:xfrm>
+      </p:grpSpPr>
+      <p:sp useBgFill="1">
+        <p:nvSpPr>
+          <p:cNvPr id="36" name="Rectangle 25">
+            <a:extLst>
+              <a:ext uri="{FF2B5EF4-FFF2-40B4-BE49-F238E27FC236}">
+                <a16:creationId xmlns:a16="http://schemas.microsoft.com/office/drawing/2014/main" id="{5B9544DE-D5D2-419F-97F9-C3CB8C3179A1}"/>
+              </a:ext>
+              <a:ext uri="{C183D7F6-B498-43B3-948B-1728B52AA6E4}">
+                <adec:decorative xmlns:adec="http://schemas.microsoft.com/office/drawing/2017/decorative" val="1"/>
+              </a:ext>
+            </a:extLst>
+          </p:cNvPr>
+          <p:cNvSpPr>
+            <a:spLocks noGrp="1" noRot="1" noChangeAspect="1" noMove="1" noResize="1" noEditPoints="1" noAdjustHandles="1" noChangeArrowheads="1" noChangeShapeType="1" noTextEdit="1"/>
+          </p:cNvSpPr>
+          <p:nvPr>
+            <p:extLst>
+              <p:ext uri="{386F3935-93C4-4BCD-93E2-E3B085C9AB24}">
+                <p16:designElem xmlns:p16="http://schemas.microsoft.com/office/powerpoint/2015/main" val="1"/>
+              </p:ext>
+            </p:extLst>
+          </p:nvPr>
+        </p:nvSpPr>
+        <p:spPr>
+          <a:xfrm>
+            <a:off x="1524" y="0"/>
+            <a:ext cx="12188952" cy="6858000"/>
+          </a:xfrm>
+          <a:prstGeom prst="rect">
+            <a:avLst/>
+          </a:prstGeom>
+          <a:ln>
+            <a:noFill/>
+          </a:ln>
+        </p:spPr>
+        <p:style>
+          <a:lnRef idx="2">
+            <a:schemeClr val="accent1">
+              <a:shade val="50000"/>
+            </a:schemeClr>
+          </a:lnRef>
+          <a:fillRef idx="1">
+            <a:schemeClr val="accent1"/>
+          </a:fillRef>
+          <a:effectRef idx="0">
+            <a:schemeClr val="accent1"/>
+          </a:effectRef>
+          <a:fontRef idx="minor">
+            <a:schemeClr val="lt1"/>
+          </a:fontRef>
+        </p:style>
+        <p:txBody>
+          <a:bodyPr rtlCol="0" anchor="ctr"/>
+          <a:lstStyle/>
+          <a:p>
+            <a:pPr algn="ctr"/>
+            <a:endParaRPr lang="en-US"/>
+          </a:p>
+        </p:txBody>
+      </p:sp>
+      <p:sp>
+        <p:nvSpPr>
+          <p:cNvPr id="37" name="Rectangle 27">
+            <a:extLst>
+              <a:ext uri="{FF2B5EF4-FFF2-40B4-BE49-F238E27FC236}">
+                <a16:creationId xmlns:a16="http://schemas.microsoft.com/office/drawing/2014/main" id="{C6898C9B-7323-4559-9424-018A10D7988D}"/>
+              </a:ext>
+              <a:ext uri="{C183D7F6-B498-43B3-948B-1728B52AA6E4}">
+                <adec:decorative xmlns:adec="http://schemas.microsoft.com/office/drawing/2017/decorative" val="1"/>
+              </a:ext>
+            </a:extLst>
+          </p:cNvPr>
+          <p:cNvSpPr>
+            <a:spLocks noGrp="1" noRot="1" noChangeAspect="1" noMove="1" noResize="1" noEditPoints="1" noAdjustHandles="1" noChangeArrowheads="1" noChangeShapeType="1" noTextEdit="1"/>
+          </p:cNvSpPr>
+          <p:nvPr>
+            <p:extLst>
+              <p:ext uri="{386F3935-93C4-4BCD-93E2-E3B085C9AB24}">
+                <p16:designElem xmlns:p16="http://schemas.microsoft.com/office/powerpoint/2015/main" val="1"/>
+              </p:ext>
+            </p:extLst>
+          </p:nvPr>
+        </p:nvSpPr>
+        <p:spPr>
+          <a:xfrm>
+            <a:off x="1524" y="0"/>
+            <a:ext cx="12188952" cy="6858000"/>
+          </a:xfrm>
+          <a:prstGeom prst="rect">
+            <a:avLst/>
+          </a:prstGeom>
+          <a:solidFill>
+            <a:schemeClr val="bg2">
+              <a:lumMod val="90000"/>
+              <a:alpha val="30000"/>
+            </a:schemeClr>
+          </a:solidFill>
+          <a:ln>
+            <a:noFill/>
+          </a:ln>
+        </p:spPr>
+        <p:style>
+          <a:lnRef idx="2">
+            <a:schemeClr val="accent1">
+              <a:shade val="50000"/>
+            </a:schemeClr>
+          </a:lnRef>
+          <a:fillRef idx="1">
+            <a:schemeClr val="accent1"/>
+          </a:fillRef>
+          <a:effectRef idx="0">
+            <a:schemeClr val="accent1"/>
+          </a:effectRef>
+          <a:fontRef idx="minor">
+            <a:schemeClr val="lt1"/>
+          </a:fontRef>
+        </p:style>
+        <p:txBody>
+          <a:bodyPr rtlCol="0" anchor="ctr"/>
+          <a:lstStyle/>
+          <a:p>
+            <a:pPr algn="ctr"/>
+            <a:endParaRPr lang="en-US" sz="900">
+              <a:solidFill>
+                <a:schemeClr val="bg1"/>
+              </a:solidFill>
+              <a:latin typeface="+mj-lt"/>
+            </a:endParaRPr>
+          </a:p>
+        </p:txBody>
+      </p:sp>
+      <p:sp>
+        <p:nvSpPr>
+          <p:cNvPr id="2" name="Titolo 1">
+            <a:extLst>
+              <a:ext uri="{FF2B5EF4-FFF2-40B4-BE49-F238E27FC236}">
+                <a16:creationId xmlns:a16="http://schemas.microsoft.com/office/drawing/2014/main" id="{B82C22EB-BEEB-10AC-3892-797A929D89B9}"/>
+              </a:ext>
+            </a:extLst>
+          </p:cNvPr>
+          <p:cNvSpPr>
+            <a:spLocks noGrp="1"/>
+          </p:cNvSpPr>
+          <p:nvPr>
+            <p:ph type="ctrTitle"/>
+          </p:nvPr>
+        </p:nvSpPr>
+        <p:spPr>
+          <a:xfrm>
+            <a:off x="777238" y="1122363"/>
+            <a:ext cx="6614161" cy="1313106"/>
+          </a:xfrm>
+        </p:spPr>
+        <p:txBody>
+          <a:bodyPr>
+            <a:normAutofit/>
+          </a:bodyPr>
+          <a:lstStyle/>
+          <a:p>
+            <a:pPr algn="l"/>
+            <a:r>
+              <a:rPr lang="it-IT" dirty="0"/>
+              <a:t>Funzionamento</a:t>
+            </a:r>
+          </a:p>
+        </p:txBody>
+      </p:sp>
+      <p:sp>
+        <p:nvSpPr>
+          <p:cNvPr id="3" name="Sottotitolo 2">
+            <a:extLst>
+              <a:ext uri="{FF2B5EF4-FFF2-40B4-BE49-F238E27FC236}">
+                <a16:creationId xmlns:a16="http://schemas.microsoft.com/office/drawing/2014/main" id="{811DFDED-5484-959A-747B-ACFBBB911902}"/>
+              </a:ext>
+            </a:extLst>
+          </p:cNvPr>
+          <p:cNvSpPr>
+            <a:spLocks noGrp="1"/>
+          </p:cNvSpPr>
+          <p:nvPr>
+            <p:ph type="subTitle" idx="1"/>
+          </p:nvPr>
+        </p:nvSpPr>
+        <p:spPr>
+          <a:xfrm>
+            <a:off x="777238" y="2435469"/>
+            <a:ext cx="6614161" cy="4299439"/>
+          </a:xfrm>
+        </p:spPr>
+        <p:txBody>
+          <a:bodyPr>
+            <a:normAutofit/>
+          </a:bodyPr>
+          <a:lstStyle/>
+          <a:p>
+            <a:pPr algn="l"/>
+            <a:r>
+              <a:rPr lang="it-IT" i="1" dirty="0"/>
+              <a:t>Il sistema mette insieme tutte le componenti fondamentali tra </a:t>
+            </a:r>
+            <a:r>
+              <a:rPr lang="it-IT" i="1" dirty="0" err="1"/>
+              <a:t>TensorFlow</a:t>
+            </a:r>
+            <a:r>
+              <a:rPr lang="it-IT" i="1" dirty="0"/>
+              <a:t>, </a:t>
+            </a:r>
+            <a:r>
+              <a:rPr lang="it-IT" i="1" dirty="0" err="1"/>
+              <a:t>YAMNet</a:t>
+            </a:r>
+            <a:r>
+              <a:rPr lang="it-IT" i="1" dirty="0"/>
+              <a:t> e il dataset per addestrare un modello. Questo è responsabile dell’apprendimento del sistema.</a:t>
+            </a:r>
+          </a:p>
+          <a:p>
+            <a:pPr algn="l"/>
+            <a:r>
+              <a:rPr lang="it-IT" b="1" i="1" dirty="0"/>
+              <a:t>L’accuratezza del riconoscimento è fortemente dipendente dalla grandezza del dataset su cui viene addestrato.</a:t>
+            </a:r>
+          </a:p>
+        </p:txBody>
+      </p:sp>
+      <p:grpSp>
+        <p:nvGrpSpPr>
+          <p:cNvPr id="30" name="decorative circles">
+            <a:extLst>
+              <a:ext uri="{FF2B5EF4-FFF2-40B4-BE49-F238E27FC236}">
+                <a16:creationId xmlns:a16="http://schemas.microsoft.com/office/drawing/2014/main" id="{CD3F8757-46C7-43B2-B5EF-9B85B5C839AB}"/>
+              </a:ext>
+              <a:ext uri="{C183D7F6-B498-43B3-948B-1728B52AA6E4}">
+                <adec:decorative xmlns:adec="http://schemas.microsoft.com/office/drawing/2017/decorative" val="1"/>
+              </a:ext>
+            </a:extLst>
+          </p:cNvPr>
+          <p:cNvGrpSpPr>
+            <a:grpSpLocks noGrp="1" noUngrp="1" noRot="1" noChangeAspect="1" noMove="1" noResize="1"/>
+          </p:cNvGrpSpPr>
+          <p:nvPr>
+            <p:extLst>
+              <p:ext uri="{386F3935-93C4-4BCD-93E2-E3B085C9AB24}">
+                <p16:designElem xmlns:p16="http://schemas.microsoft.com/office/powerpoint/2015/main" val="1"/>
+              </p:ext>
+            </p:extLst>
+          </p:nvPr>
+        </p:nvGrpSpPr>
+        <p:grpSpPr>
+          <a:xfrm>
+            <a:off x="8437008" y="433142"/>
+            <a:ext cx="1122760" cy="6178301"/>
+            <a:chOff x="8437008" y="433142"/>
+            <a:chExt cx="1122760" cy="6178301"/>
+          </a:xfrm>
+        </p:grpSpPr>
+        <p:sp>
+          <p:nvSpPr>
+            <p:cNvPr id="31" name="Oval 30">
+              <a:extLst>
+                <a:ext uri="{FF2B5EF4-FFF2-40B4-BE49-F238E27FC236}">
+                  <a16:creationId xmlns:a16="http://schemas.microsoft.com/office/drawing/2014/main" id="{CC558EDF-DA7F-481C-8D08-2A7156D3F067}"/>
+                </a:ext>
+                <a:ext uri="{C183D7F6-B498-43B3-948B-1728B52AA6E4}">
+                  <adec:decorative xmlns:adec="http://schemas.microsoft.com/office/drawing/2017/decorative" val="1"/>
+                </a:ext>
+              </a:extLst>
+            </p:cNvPr>
+            <p:cNvSpPr/>
+            <p:nvPr>
+              <p:extLst>
+                <p:ext uri="{386F3935-93C4-4BCD-93E2-E3B085C9AB24}">
+                  <p16:designElem xmlns:p16="http://schemas.microsoft.com/office/powerpoint/2015/main" val="1"/>
+                </p:ext>
+              </p:extLst>
+            </p:nvPr>
+          </p:nvSpPr>
+          <p:spPr>
+            <a:xfrm>
+              <a:off x="8575160" y="825175"/>
+              <a:ext cx="466441" cy="466441"/>
+            </a:xfrm>
+            <a:prstGeom prst="ellipse">
+              <a:avLst/>
+            </a:prstGeom>
+            <a:solidFill>
+              <a:schemeClr val="accent2">
+                <a:lumMod val="40000"/>
+                <a:lumOff val="60000"/>
+              </a:schemeClr>
+            </a:solidFill>
+            <a:ln>
+              <a:noFill/>
+            </a:ln>
+          </p:spPr>
+          <p:style>
+            <a:lnRef idx="2">
+              <a:schemeClr val="accent1">
+                <a:shade val="50000"/>
+              </a:schemeClr>
+            </a:lnRef>
+            <a:fillRef idx="1">
+              <a:schemeClr val="accent1"/>
+            </a:fillRef>
+            <a:effectRef idx="0">
+              <a:schemeClr val="accent1"/>
+            </a:effectRef>
+            <a:fontRef idx="minor">
+              <a:schemeClr val="lt1"/>
+            </a:fontRef>
+          </p:style>
+          <p:txBody>
+            <a:bodyPr rtlCol="0" anchor="ctr"/>
+            <a:lstStyle/>
+            <a:p>
+              <a:pPr algn="ctr"/>
+              <a:endParaRPr lang="en-US"/>
+            </a:p>
+          </p:txBody>
+        </p:sp>
+        <p:sp>
+          <p:nvSpPr>
+            <p:cNvPr id="32" name="Oval 31">
+              <a:extLst>
+                <a:ext uri="{FF2B5EF4-FFF2-40B4-BE49-F238E27FC236}">
+                  <a16:creationId xmlns:a16="http://schemas.microsoft.com/office/drawing/2014/main" id="{3DCDAD58-A043-493E-A51B-5A32AB1C535F}"/>
+                </a:ext>
+                <a:ext uri="{C183D7F6-B498-43B3-948B-1728B52AA6E4}">
+                  <adec:decorative xmlns:adec="http://schemas.microsoft.com/office/drawing/2017/decorative" val="1"/>
+                </a:ext>
+              </a:extLst>
+            </p:cNvPr>
+            <p:cNvSpPr/>
+            <p:nvPr>
+              <p:extLst>
+                <p:ext uri="{386F3935-93C4-4BCD-93E2-E3B085C9AB24}">
+                  <p16:designElem xmlns:p16="http://schemas.microsoft.com/office/powerpoint/2015/main" val="1"/>
+                </p:ext>
+              </p:extLst>
+            </p:nvPr>
+          </p:nvSpPr>
+          <p:spPr>
+            <a:xfrm>
+              <a:off x="8628229" y="433142"/>
+              <a:ext cx="113367" cy="113367"/>
+            </a:xfrm>
+            <a:prstGeom prst="ellipse">
+              <a:avLst/>
+            </a:prstGeom>
+            <a:solidFill>
+              <a:srgbClr val="F39E29"/>
+            </a:solidFill>
+            <a:ln>
+              <a:noFill/>
+            </a:ln>
+          </p:spPr>
+          <p:style>
+            <a:lnRef idx="2">
+              <a:schemeClr val="accent1">
+                <a:shade val="50000"/>
+              </a:schemeClr>
+            </a:lnRef>
+            <a:fillRef idx="1">
+              <a:schemeClr val="accent1"/>
+            </a:fillRef>
+            <a:effectRef idx="0">
+              <a:schemeClr val="accent1"/>
+            </a:effectRef>
+            <a:fontRef idx="minor">
+              <a:schemeClr val="lt1"/>
+            </a:fontRef>
+          </p:style>
+          <p:txBody>
+            <a:bodyPr rtlCol="0" anchor="ctr"/>
+            <a:lstStyle/>
+            <a:p>
+              <a:pPr algn="ctr"/>
+              <a:endParaRPr lang="en-US"/>
+            </a:p>
+          </p:txBody>
+        </p:sp>
+        <p:sp>
+          <p:nvSpPr>
+            <p:cNvPr id="33" name="Oval 32">
+              <a:extLst>
+                <a:ext uri="{FF2B5EF4-FFF2-40B4-BE49-F238E27FC236}">
+                  <a16:creationId xmlns:a16="http://schemas.microsoft.com/office/drawing/2014/main" id="{D56CBC24-7B7A-405B-8EB6-1A5FD7BE49C0}"/>
+                </a:ext>
+                <a:ext uri="{C183D7F6-B498-43B3-948B-1728B52AA6E4}">
+                  <adec:decorative xmlns:adec="http://schemas.microsoft.com/office/drawing/2017/decorative" val="1"/>
+                </a:ext>
+              </a:extLst>
+            </p:cNvPr>
+            <p:cNvSpPr/>
+            <p:nvPr>
+              <p:extLst>
+                <p:ext uri="{386F3935-93C4-4BCD-93E2-E3B085C9AB24}">
+                  <p16:designElem xmlns:p16="http://schemas.microsoft.com/office/powerpoint/2015/main" val="1"/>
+                </p:ext>
+              </p:extLst>
+            </p:nvPr>
+          </p:nvSpPr>
+          <p:spPr>
+            <a:xfrm>
+              <a:off x="8437008" y="5719481"/>
+              <a:ext cx="226735" cy="226735"/>
+            </a:xfrm>
+            <a:prstGeom prst="ellipse">
+              <a:avLst/>
+            </a:prstGeom>
+            <a:solidFill>
+              <a:schemeClr val="accent2">
+                <a:lumMod val="60000"/>
+                <a:lumOff val="40000"/>
+              </a:schemeClr>
+            </a:solidFill>
+            <a:ln>
+              <a:noFill/>
+            </a:ln>
+          </p:spPr>
+          <p:style>
+            <a:lnRef idx="2">
+              <a:schemeClr val="accent1">
+                <a:shade val="50000"/>
+              </a:schemeClr>
+            </a:lnRef>
+            <a:fillRef idx="1">
+              <a:schemeClr val="accent1"/>
+            </a:fillRef>
+            <a:effectRef idx="0">
+              <a:schemeClr val="accent1"/>
+            </a:effectRef>
+            <a:fontRef idx="minor">
+              <a:schemeClr val="lt1"/>
+            </a:fontRef>
+          </p:style>
+          <p:txBody>
+            <a:bodyPr rtlCol="0" anchor="ctr"/>
+            <a:lstStyle/>
+            <a:p>
+              <a:pPr algn="ctr"/>
+              <a:endParaRPr lang="en-US"/>
+            </a:p>
+          </p:txBody>
+        </p:sp>
+        <p:sp>
+          <p:nvSpPr>
+            <p:cNvPr id="34" name="Oval 33">
+              <a:extLst>
+                <a:ext uri="{FF2B5EF4-FFF2-40B4-BE49-F238E27FC236}">
+                  <a16:creationId xmlns:a16="http://schemas.microsoft.com/office/drawing/2014/main" id="{F1EFB3FA-A08C-47F2-B71D-3556F253C137}"/>
+                </a:ext>
+                <a:ext uri="{C183D7F6-B498-43B3-948B-1728B52AA6E4}">
+                  <adec:decorative xmlns:adec="http://schemas.microsoft.com/office/drawing/2017/decorative" val="1"/>
+                </a:ext>
+              </a:extLst>
+            </p:cNvPr>
+            <p:cNvSpPr/>
+            <p:nvPr>
+              <p:extLst>
+                <p:ext uri="{386F3935-93C4-4BCD-93E2-E3B085C9AB24}">
+                  <p16:designElem xmlns:p16="http://schemas.microsoft.com/office/powerpoint/2015/main" val="1"/>
+                </p:ext>
+              </p:extLst>
+            </p:nvPr>
+          </p:nvSpPr>
+          <p:spPr>
+            <a:xfrm>
+              <a:off x="9093327" y="6145002"/>
+              <a:ext cx="466441" cy="466441"/>
+            </a:xfrm>
+            <a:prstGeom prst="ellipse">
+              <a:avLst/>
+            </a:prstGeom>
+            <a:solidFill>
+              <a:schemeClr val="accent1"/>
+            </a:solidFill>
+            <a:ln>
+              <a:noFill/>
+            </a:ln>
+          </p:spPr>
+          <p:style>
+            <a:lnRef idx="2">
+              <a:schemeClr val="accent1">
+                <a:shade val="50000"/>
+              </a:schemeClr>
+            </a:lnRef>
+            <a:fillRef idx="1">
+              <a:schemeClr val="accent1"/>
+            </a:fillRef>
+            <a:effectRef idx="0">
+              <a:schemeClr val="accent1"/>
+            </a:effectRef>
+            <a:fontRef idx="minor">
+              <a:schemeClr val="lt1"/>
+            </a:fontRef>
+          </p:style>
+          <p:txBody>
+            <a:bodyPr rtlCol="0" anchor="ctr"/>
+            <a:lstStyle/>
+            <a:p>
+              <a:pPr algn="ctr"/>
+              <a:endParaRPr lang="en-US"/>
+            </a:p>
+          </p:txBody>
+        </p:sp>
+        <p:sp>
+          <p:nvSpPr>
+            <p:cNvPr id="35" name="Oval 34">
+              <a:extLst>
+                <a:ext uri="{FF2B5EF4-FFF2-40B4-BE49-F238E27FC236}">
+                  <a16:creationId xmlns:a16="http://schemas.microsoft.com/office/drawing/2014/main" id="{D36554C6-9AC1-4C2E-AE7F-040BCB6CED86}"/>
+                </a:ext>
+                <a:ext uri="{C183D7F6-B498-43B3-948B-1728B52AA6E4}">
+                  <adec:decorative xmlns:adec="http://schemas.microsoft.com/office/drawing/2017/decorative" val="1"/>
+                </a:ext>
+              </a:extLst>
+            </p:cNvPr>
+            <p:cNvSpPr/>
+            <p:nvPr>
+              <p:extLst>
+                <p:ext uri="{386F3935-93C4-4BCD-93E2-E3B085C9AB24}">
+                  <p16:designElem xmlns:p16="http://schemas.microsoft.com/office/powerpoint/2015/main" val="1"/>
+                </p:ext>
+              </p:extLst>
+            </p:nvPr>
+          </p:nvSpPr>
+          <p:spPr>
+            <a:xfrm>
+              <a:off x="8896963" y="5817067"/>
+              <a:ext cx="113367" cy="113367"/>
+            </a:xfrm>
+            <a:prstGeom prst="ellipse">
+              <a:avLst/>
+            </a:prstGeom>
+            <a:solidFill>
+              <a:schemeClr val="accent3"/>
+            </a:solidFill>
+            <a:ln>
+              <a:noFill/>
+            </a:ln>
+          </p:spPr>
+          <p:style>
+            <a:lnRef idx="2">
+              <a:schemeClr val="accent1">
+                <a:shade val="50000"/>
+              </a:schemeClr>
+            </a:lnRef>
+            <a:fillRef idx="1">
+              <a:schemeClr val="accent1"/>
+            </a:fillRef>
+            <a:effectRef idx="0">
+              <a:schemeClr val="accent1"/>
+            </a:effectRef>
+            <a:fontRef idx="minor">
+              <a:schemeClr val="lt1"/>
+            </a:fontRef>
+          </p:style>
+          <p:txBody>
+            <a:bodyPr rtlCol="0" anchor="ctr"/>
+            <a:lstStyle/>
+            <a:p>
+              <a:pPr algn="ctr"/>
+              <a:endParaRPr lang="en-US"/>
+            </a:p>
+          </p:txBody>
+        </p:sp>
+      </p:grpSp>
+      <p:pic>
+        <p:nvPicPr>
+          <p:cNvPr id="4" name="Picture 3" descr="Rendering astratto di rete e nodi in vetro">
+            <a:extLst>
+              <a:ext uri="{FF2B5EF4-FFF2-40B4-BE49-F238E27FC236}">
+                <a16:creationId xmlns:a16="http://schemas.microsoft.com/office/drawing/2014/main" id="{306C14E9-653F-BED6-C5C8-6F24F9928DDC}"/>
+              </a:ext>
+            </a:extLst>
+          </p:cNvPr>
+          <p:cNvPicPr>
+            <a:picLocks noChangeAspect="1"/>
+          </p:cNvPicPr>
+          <p:nvPr/>
+        </p:nvPicPr>
+        <p:blipFill rotWithShape="1">
+          <a:blip r:embed="rId2"/>
+          <a:srcRect l="37563" r="23018" b="1"/>
+          <a:stretch/>
+        </p:blipFill>
+        <p:spPr>
+          <a:xfrm>
+            <a:off x="8608738" y="357441"/>
+            <a:ext cx="3580214" cy="5994304"/>
+          </a:xfrm>
+          <a:custGeom>
+            <a:avLst/>
+            <a:gdLst/>
+            <a:ahLst/>
+            <a:cxnLst/>
+            <a:rect l="l" t="t" r="r" b="b"/>
+            <a:pathLst>
+              <a:path w="3735324" h="6254002">
+                <a:moveTo>
+                  <a:pt x="3127001" y="0"/>
+                </a:moveTo>
+                <a:cubicBezTo>
+                  <a:pt x="3288907" y="0"/>
+                  <a:pt x="3447939" y="12305"/>
+                  <a:pt x="3603212" y="36030"/>
+                </a:cubicBezTo>
+                <a:lnTo>
+                  <a:pt x="3735324" y="59623"/>
+                </a:lnTo>
+                <a:lnTo>
+                  <a:pt x="3735324" y="6194380"/>
+                </a:lnTo>
+                <a:lnTo>
+                  <a:pt x="3603212" y="6217972"/>
+                </a:lnTo>
+                <a:cubicBezTo>
+                  <a:pt x="3447939" y="6241698"/>
+                  <a:pt x="3288907" y="6254002"/>
+                  <a:pt x="3127001" y="6254002"/>
+                </a:cubicBezTo>
+                <a:cubicBezTo>
+                  <a:pt x="1400006" y="6254002"/>
+                  <a:pt x="0" y="4853996"/>
+                  <a:pt x="0" y="3127001"/>
+                </a:cubicBezTo>
+                <a:cubicBezTo>
+                  <a:pt x="0" y="1400006"/>
+                  <a:pt x="1400006" y="0"/>
+                  <a:pt x="3127001" y="0"/>
+                </a:cubicBezTo>
+                <a:close/>
+              </a:path>
+            </a:pathLst>
+          </a:custGeom>
+        </p:spPr>
+      </p:pic>
       <p:pic>
         <p:nvPicPr>
           <p:cNvPr id="5" name="Immagine 4">
@@ -6958,7 +7621,7 @@
 </p:sld>
 </file>
 
-<file path=ppt/slides/slide12.xml><?xml version="1.0" encoding="utf-8"?>
+<file path=ppt/slides/slide13.xml><?xml version="1.0" encoding="utf-8"?>
 <p:sld xmlns:a="http://schemas.openxmlformats.org/drawingml/2006/main" xmlns:r="http://schemas.openxmlformats.org/officeDocument/2006/relationships" xmlns:p="http://schemas.openxmlformats.org/presentationml/2006/main">
   <p:cSld>
     <p:bg>
@@ -7702,7 +8365,7 @@
 </p:sld>
 </file>
 
-<file path=ppt/slides/slide13.xml><?xml version="1.0" encoding="utf-8"?>
+<file path=ppt/slides/slide14.xml><?xml version="1.0" encoding="utf-8"?>
 <p:sld xmlns:a="http://schemas.openxmlformats.org/drawingml/2006/main" xmlns:r="http://schemas.openxmlformats.org/officeDocument/2006/relationships" xmlns:p="http://schemas.openxmlformats.org/presentationml/2006/main">
   <p:cSld>
     <p:bg>
@@ -8445,7 +9108,7 @@
 </p:sld>
 </file>
 
-<file path=ppt/slides/slide14.xml><?xml version="1.0" encoding="utf-8"?>
+<file path=ppt/slides/slide15.xml><?xml version="1.0" encoding="utf-8"?>
 <p:sld xmlns:a="http://schemas.openxmlformats.org/drawingml/2006/main" xmlns:r="http://schemas.openxmlformats.org/officeDocument/2006/relationships" xmlns:p="http://schemas.openxmlformats.org/presentationml/2006/main">
   <p:cSld>
     <p:bg>
@@ -12462,7 +13125,7 @@
             <a:pPr algn="l"/>
             <a:r>
               <a:rPr lang="it-IT" i="1" dirty="0"/>
-              <a:t>Il sistema sfrutta le feature estratte dai file audio, che si dividono in otto categorie alle quali è stato associato un id:</a:t>
+              <a:t>Il sistema sfrutta le feature estratte dai file audio, che si dividono in nove categorie alle quali è stato associato un id:</a:t>
             </a:r>
           </a:p>
         </p:txBody>
@@ -13510,10 +14173,10 @@
       </p:pic>
       <p:pic>
         <p:nvPicPr>
-          <p:cNvPr id="7" name="Immagine 6">
+          <p:cNvPr id="10" name="Immagine 9">
             <a:extLst>
               <a:ext uri="{FF2B5EF4-FFF2-40B4-BE49-F238E27FC236}">
-                <a16:creationId xmlns:a16="http://schemas.microsoft.com/office/drawing/2014/main" id="{BF620B71-40CB-FB9C-F0F3-A0EFBB272C9E}"/>
+                <a16:creationId xmlns:a16="http://schemas.microsoft.com/office/drawing/2014/main" id="{05F85224-B2D7-CA66-7CD6-13989958EBA0}"/>
               </a:ext>
             </a:extLst>
           </p:cNvPr>
@@ -13530,52 +14193,8 @@
         </p:blipFill>
         <p:spPr>
           <a:xfrm>
-            <a:off x="205356" y="144380"/>
-            <a:ext cx="3714516" cy="4860758"/>
-          </a:xfrm>
-          <a:prstGeom prst="rect">
-            <a:avLst/>
-          </a:prstGeom>
-          <a:ln w="38100" cap="sq">
-            <a:solidFill>
-              <a:srgbClr val="000000"/>
-            </a:solidFill>
-            <a:prstDash val="solid"/>
-            <a:miter lim="800000"/>
-          </a:ln>
-          <a:effectLst>
-            <a:outerShdw blurRad="50800" dist="38100" dir="2700000" algn="tl" rotWithShape="0">
-              <a:srgbClr val="000000">
-                <a:alpha val="43000"/>
-              </a:srgbClr>
-            </a:outerShdw>
-          </a:effectLst>
-        </p:spPr>
-      </p:pic>
-      <p:pic>
-        <p:nvPicPr>
-          <p:cNvPr id="10" name="Immagine 9">
-            <a:extLst>
-              <a:ext uri="{FF2B5EF4-FFF2-40B4-BE49-F238E27FC236}">
-                <a16:creationId xmlns:a16="http://schemas.microsoft.com/office/drawing/2014/main" id="{05F85224-B2D7-CA66-7CD6-13989958EBA0}"/>
-              </a:ext>
-            </a:extLst>
-          </p:cNvPr>
-          <p:cNvPicPr>
-            <a:picLocks noChangeAspect="1"/>
-          </p:cNvPicPr>
-          <p:nvPr/>
-        </p:nvPicPr>
-        <p:blipFill>
-          <a:blip r:embed="rId4"/>
-          <a:stretch>
-            <a:fillRect/>
-          </a:stretch>
-        </p:blipFill>
-        <p:spPr>
-          <a:xfrm>
-            <a:off x="5567688" y="1253095"/>
-            <a:ext cx="4414684" cy="5098650"/>
+            <a:off x="5534335" y="546509"/>
+            <a:ext cx="4589952" cy="5301072"/>
           </a:xfrm>
           <a:prstGeom prst="rect">
             <a:avLst/>
@@ -13609,9 +14228,9 @@
           <p:nvPr/>
         </p:nvSpPr>
         <p:spPr>
-          <a:xfrm rot="17754881">
-            <a:off x="4184826" y="1477176"/>
-            <a:ext cx="1348614" cy="1358591"/>
+          <a:xfrm rot="16200000">
+            <a:off x="3476800" y="2072473"/>
+            <a:ext cx="1655942" cy="1839654"/>
           </a:xfrm>
           <a:prstGeom prst="downArrow">
             <a:avLst/>
@@ -13640,6 +14259,42 @@
           </a:p>
         </p:txBody>
       </p:sp>
+      <p:pic>
+        <p:nvPicPr>
+          <p:cNvPr id="5" name="Immagine 4">
+            <a:extLst>
+              <a:ext uri="{FF2B5EF4-FFF2-40B4-BE49-F238E27FC236}">
+                <a16:creationId xmlns:a16="http://schemas.microsoft.com/office/drawing/2014/main" id="{DCC1F2B4-12BB-4EB4-C570-6108BE21E737}"/>
+              </a:ext>
+            </a:extLst>
+          </p:cNvPr>
+          <p:cNvPicPr>
+            <a:picLocks noChangeAspect="1"/>
+          </p:cNvPicPr>
+          <p:nvPr/>
+        </p:nvPicPr>
+        <p:blipFill>
+          <a:blip r:embed="rId4">
+            <a:extLst>
+              <a:ext uri="{28A0092B-C50C-407E-A947-70E740481C1C}">
+                <a14:useLocalDpi xmlns:a14="http://schemas.microsoft.com/office/drawing/2010/main" val="0"/>
+              </a:ext>
+            </a:extLst>
+          </a:blip>
+          <a:stretch>
+            <a:fillRect/>
+          </a:stretch>
+        </p:blipFill>
+        <p:spPr>
+          <a:xfrm>
+            <a:off x="814445" y="398446"/>
+            <a:ext cx="2058238" cy="5531988"/>
+          </a:xfrm>
+          <a:prstGeom prst="rect">
+            <a:avLst/>
+          </a:prstGeom>
+        </p:spPr>
+      </p:pic>
     </p:spTree>
     <p:extLst>
       <p:ext uri="{BB962C8B-B14F-4D97-AF65-F5344CB8AC3E}">
@@ -14222,140 +14877,1456 @@
           </a:custGeom>
         </p:spPr>
       </p:pic>
-      <p:pic>
-        <p:nvPicPr>
-          <p:cNvPr id="2" name="Immagine 1">
+      <p:graphicFrame>
+        <p:nvGraphicFramePr>
+          <p:cNvPr id="2" name="Tabella 2">
             <a:extLst>
               <a:ext uri="{FF2B5EF4-FFF2-40B4-BE49-F238E27FC236}">
-                <a16:creationId xmlns:a16="http://schemas.microsoft.com/office/drawing/2014/main" id="{065A2987-886F-B8C3-98D7-884BDEBBE34F}"/>
+                <a16:creationId xmlns:a16="http://schemas.microsoft.com/office/drawing/2014/main" id="{D8758A18-C0B8-1CE7-CA57-A07A2FACDD2F}"/>
               </a:ext>
             </a:extLst>
           </p:cNvPr>
-          <p:cNvPicPr>
-            <a:picLocks noChangeAspect="1"/>
-          </p:cNvPicPr>
-          <p:nvPr/>
-        </p:nvPicPr>
-        <p:blipFill>
-          <a:blip r:embed="rId3"/>
-          <a:stretch>
-            <a:fillRect/>
-          </a:stretch>
-        </p:blipFill>
-        <p:spPr>
-          <a:xfrm>
-            <a:off x="1047283" y="927566"/>
-            <a:ext cx="10097433" cy="1776400"/>
-          </a:xfrm>
-          <a:prstGeom prst="rect">
-            <a:avLst/>
-          </a:prstGeom>
-          <a:ln>
-            <a:noFill/>
-          </a:ln>
-          <a:effectLst>
-            <a:outerShdw blurRad="292100" dist="139700" dir="2700000" algn="tl" rotWithShape="0">
-              <a:srgbClr val="333333">
-                <a:alpha val="65000"/>
-              </a:srgbClr>
-            </a:outerShdw>
-          </a:effectLst>
-        </p:spPr>
-      </p:pic>
+          <p:cNvGraphicFramePr>
+            <a:graphicFrameLocks noGrp="1"/>
+          </p:cNvGraphicFramePr>
+          <p:nvPr>
+            <p:extLst>
+              <p:ext uri="{D42A27DB-BD31-4B8C-83A1-F6EECF244321}">
+                <p14:modId xmlns:p14="http://schemas.microsoft.com/office/powerpoint/2010/main" val="2746180372"/>
+              </p:ext>
+            </p:extLst>
+          </p:nvPr>
+        </p:nvGraphicFramePr>
+        <p:xfrm>
+          <a:off x="284997" y="1556309"/>
+          <a:ext cx="11622006" cy="1521606"/>
+        </p:xfrm>
+        <a:graphic>
+          <a:graphicData uri="http://schemas.openxmlformats.org/drawingml/2006/table">
+            <a:tbl>
+              <a:tblPr firstRow="1" bandRow="1">
+                <a:tableStyleId>{5C22544A-7EE6-4342-B048-85BDC9FD1C3A}</a:tableStyleId>
+              </a:tblPr>
+              <a:tblGrid>
+                <a:gridCol w="1291334">
+                  <a:extLst>
+                    <a:ext uri="{9D8B030D-6E8A-4147-A177-3AD203B41FA5}">
+                      <a16:colId xmlns:a16="http://schemas.microsoft.com/office/drawing/2014/main" val="637562714"/>
+                    </a:ext>
+                  </a:extLst>
+                </a:gridCol>
+                <a:gridCol w="1291334">
+                  <a:extLst>
+                    <a:ext uri="{9D8B030D-6E8A-4147-A177-3AD203B41FA5}">
+                      <a16:colId xmlns:a16="http://schemas.microsoft.com/office/drawing/2014/main" val="1773447357"/>
+                    </a:ext>
+                  </a:extLst>
+                </a:gridCol>
+                <a:gridCol w="1291334">
+                  <a:extLst>
+                    <a:ext uri="{9D8B030D-6E8A-4147-A177-3AD203B41FA5}">
+                      <a16:colId xmlns:a16="http://schemas.microsoft.com/office/drawing/2014/main" val="4042608230"/>
+                    </a:ext>
+                  </a:extLst>
+                </a:gridCol>
+                <a:gridCol w="1291334">
+                  <a:extLst>
+                    <a:ext uri="{9D8B030D-6E8A-4147-A177-3AD203B41FA5}">
+                      <a16:colId xmlns:a16="http://schemas.microsoft.com/office/drawing/2014/main" val="1407418756"/>
+                    </a:ext>
+                  </a:extLst>
+                </a:gridCol>
+                <a:gridCol w="1291334">
+                  <a:extLst>
+                    <a:ext uri="{9D8B030D-6E8A-4147-A177-3AD203B41FA5}">
+                      <a16:colId xmlns:a16="http://schemas.microsoft.com/office/drawing/2014/main" val="3585025352"/>
+                    </a:ext>
+                  </a:extLst>
+                </a:gridCol>
+                <a:gridCol w="1291334">
+                  <a:extLst>
+                    <a:ext uri="{9D8B030D-6E8A-4147-A177-3AD203B41FA5}">
+                      <a16:colId xmlns:a16="http://schemas.microsoft.com/office/drawing/2014/main" val="3948802278"/>
+                    </a:ext>
+                  </a:extLst>
+                </a:gridCol>
+                <a:gridCol w="1291334">
+                  <a:extLst>
+                    <a:ext uri="{9D8B030D-6E8A-4147-A177-3AD203B41FA5}">
+                      <a16:colId xmlns:a16="http://schemas.microsoft.com/office/drawing/2014/main" val="571246549"/>
+                    </a:ext>
+                  </a:extLst>
+                </a:gridCol>
+                <a:gridCol w="1291334">
+                  <a:extLst>
+                    <a:ext uri="{9D8B030D-6E8A-4147-A177-3AD203B41FA5}">
+                      <a16:colId xmlns:a16="http://schemas.microsoft.com/office/drawing/2014/main" val="4198653104"/>
+                    </a:ext>
+                  </a:extLst>
+                </a:gridCol>
+                <a:gridCol w="1291334">
+                  <a:extLst>
+                    <a:ext uri="{9D8B030D-6E8A-4147-A177-3AD203B41FA5}">
+                      <a16:colId xmlns:a16="http://schemas.microsoft.com/office/drawing/2014/main" val="113112992"/>
+                    </a:ext>
+                  </a:extLst>
+                </a:gridCol>
+              </a:tblGrid>
+              <a:tr h="510686">
+                <a:tc gridSpan="9">
+                  <a:txBody>
+                    <a:bodyPr/>
+                    <a:lstStyle/>
+                    <a:p>
+                      <a:pPr algn="ctr"/>
+                      <a:r>
+                        <a:rPr lang="it-IT" u="sng" dirty="0"/>
+                        <a:t>TRAINING</a:t>
+                      </a:r>
+                    </a:p>
+                  </a:txBody>
+                  <a:tcPr>
+                    <a:solidFill>
+                      <a:schemeClr val="accent3"/>
+                    </a:solidFill>
+                  </a:tcPr>
+                </a:tc>
+                <a:tc hMerge="1">
+                  <a:txBody>
+                    <a:bodyPr/>
+                    <a:lstStyle/>
+                    <a:p>
+                      <a:endParaRPr lang="it-IT" dirty="0"/>
+                    </a:p>
+                  </a:txBody>
+                  <a:tcPr/>
+                </a:tc>
+                <a:tc hMerge="1">
+                  <a:txBody>
+                    <a:bodyPr/>
+                    <a:lstStyle/>
+                    <a:p>
+                      <a:endParaRPr lang="it-IT" dirty="0"/>
+                    </a:p>
+                  </a:txBody>
+                  <a:tcPr/>
+                </a:tc>
+                <a:tc hMerge="1">
+                  <a:txBody>
+                    <a:bodyPr/>
+                    <a:lstStyle/>
+                    <a:p>
+                      <a:endParaRPr lang="it-IT" dirty="0"/>
+                    </a:p>
+                  </a:txBody>
+                  <a:tcPr/>
+                </a:tc>
+                <a:tc hMerge="1">
+                  <a:txBody>
+                    <a:bodyPr/>
+                    <a:lstStyle/>
+                    <a:p>
+                      <a:endParaRPr lang="it-IT" dirty="0"/>
+                    </a:p>
+                  </a:txBody>
+                  <a:tcPr/>
+                </a:tc>
+                <a:tc hMerge="1">
+                  <a:txBody>
+                    <a:bodyPr/>
+                    <a:lstStyle/>
+                    <a:p>
+                      <a:endParaRPr lang="it-IT" dirty="0"/>
+                    </a:p>
+                  </a:txBody>
+                  <a:tcPr/>
+                </a:tc>
+                <a:tc hMerge="1">
+                  <a:txBody>
+                    <a:bodyPr/>
+                    <a:lstStyle/>
+                    <a:p>
+                      <a:endParaRPr lang="it-IT" dirty="0"/>
+                    </a:p>
+                  </a:txBody>
+                  <a:tcPr/>
+                </a:tc>
+                <a:tc hMerge="1">
+                  <a:txBody>
+                    <a:bodyPr/>
+                    <a:lstStyle/>
+                    <a:p>
+                      <a:endParaRPr lang="it-IT" dirty="0"/>
+                    </a:p>
+                  </a:txBody>
+                  <a:tcPr/>
+                </a:tc>
+                <a:tc hMerge="1">
+                  <a:txBody>
+                    <a:bodyPr/>
+                    <a:lstStyle/>
+                    <a:p>
+                      <a:endParaRPr lang="it-IT" dirty="0"/>
+                    </a:p>
+                  </a:txBody>
+                  <a:tcPr/>
+                </a:tc>
+                <a:extLst>
+                  <a:ext uri="{0D108BD9-81ED-4DB2-BD59-A6C34878D82A}">
+                    <a16:rowId xmlns:a16="http://schemas.microsoft.com/office/drawing/2014/main" val="1900447291"/>
+                  </a:ext>
+                </a:extLst>
+              </a:tr>
+              <a:tr h="370840">
+                <a:tc>
+                  <a:txBody>
+                    <a:bodyPr/>
+                    <a:lstStyle/>
+                    <a:p>
+                      <a:pPr algn="ctr"/>
+                      <a:r>
+                        <a:rPr lang="it-IT" i="1" u="none" dirty="0"/>
+                        <a:t>DOLORE</a:t>
+                      </a:r>
+                    </a:p>
+                  </a:txBody>
+                  <a:tcPr/>
+                </a:tc>
+                <a:tc>
+                  <a:txBody>
+                    <a:bodyPr/>
+                    <a:lstStyle/>
+                    <a:p>
+                      <a:pPr algn="ctr"/>
+                      <a:r>
+                        <a:rPr lang="it-IT" i="1" u="none" dirty="0"/>
+                        <a:t>PIANTO BAMBINO</a:t>
+                      </a:r>
+                    </a:p>
+                  </a:txBody>
+                  <a:tcPr/>
+                </a:tc>
+                <a:tc>
+                  <a:txBody>
+                    <a:bodyPr/>
+                    <a:lstStyle/>
+                    <a:p>
+                      <a:pPr algn="ctr"/>
+                      <a:r>
+                        <a:rPr lang="it-IT" i="1" u="none" dirty="0"/>
+                        <a:t>RESPIRO</a:t>
+                      </a:r>
+                    </a:p>
+                  </a:txBody>
+                  <a:tcPr/>
+                </a:tc>
+                <a:tc>
+                  <a:txBody>
+                    <a:bodyPr/>
+                    <a:lstStyle/>
+                    <a:p>
+                      <a:pPr algn="ctr"/>
+                      <a:r>
+                        <a:rPr lang="it-IT" i="1" u="none" dirty="0"/>
+                        <a:t>RISATA</a:t>
+                      </a:r>
+                    </a:p>
+                  </a:txBody>
+                  <a:tcPr/>
+                </a:tc>
+                <a:tc>
+                  <a:txBody>
+                    <a:bodyPr/>
+                    <a:lstStyle/>
+                    <a:p>
+                      <a:pPr algn="ctr"/>
+                      <a:r>
+                        <a:rPr lang="it-IT" i="1" u="none" dirty="0"/>
+                        <a:t>RUSSARE</a:t>
+                      </a:r>
+                    </a:p>
+                  </a:txBody>
+                  <a:tcPr/>
+                </a:tc>
+                <a:tc>
+                  <a:txBody>
+                    <a:bodyPr/>
+                    <a:lstStyle/>
+                    <a:p>
+                      <a:pPr algn="ctr"/>
+                      <a:r>
+                        <a:rPr lang="it-IT" i="1" u="none" dirty="0"/>
+                        <a:t>SBADIGLIO</a:t>
+                      </a:r>
+                    </a:p>
+                  </a:txBody>
+                  <a:tcPr/>
+                </a:tc>
+                <a:tc>
+                  <a:txBody>
+                    <a:bodyPr/>
+                    <a:lstStyle/>
+                    <a:p>
+                      <a:pPr algn="ctr"/>
+                      <a:r>
+                        <a:rPr lang="it-IT" i="1" u="none" dirty="0"/>
+                        <a:t>STARNUTO</a:t>
+                      </a:r>
+                    </a:p>
+                  </a:txBody>
+                  <a:tcPr/>
+                </a:tc>
+                <a:tc>
+                  <a:txBody>
+                    <a:bodyPr/>
+                    <a:lstStyle/>
+                    <a:p>
+                      <a:pPr algn="ctr"/>
+                      <a:r>
+                        <a:rPr lang="it-IT" i="1" u="none" dirty="0"/>
+                        <a:t>TOSSE</a:t>
+                      </a:r>
+                    </a:p>
+                  </a:txBody>
+                  <a:tcPr/>
+                </a:tc>
+                <a:tc>
+                  <a:txBody>
+                    <a:bodyPr/>
+                    <a:lstStyle/>
+                    <a:p>
+                      <a:pPr algn="ctr"/>
+                      <a:r>
+                        <a:rPr lang="it-IT" i="1" u="none" dirty="0"/>
+                        <a:t>URLA</a:t>
+                      </a:r>
+                    </a:p>
+                  </a:txBody>
+                  <a:tcPr/>
+                </a:tc>
+                <a:extLst>
+                  <a:ext uri="{0D108BD9-81ED-4DB2-BD59-A6C34878D82A}">
+                    <a16:rowId xmlns:a16="http://schemas.microsoft.com/office/drawing/2014/main" val="2798989560"/>
+                  </a:ext>
+                </a:extLst>
+              </a:tr>
+              <a:tr h="370840">
+                <a:tc>
+                  <a:txBody>
+                    <a:bodyPr/>
+                    <a:lstStyle/>
+                    <a:p>
+                      <a:pPr algn="ctr"/>
+                      <a:r>
+                        <a:rPr lang="it-IT" dirty="0"/>
+                        <a:t>130</a:t>
+                      </a:r>
+                    </a:p>
+                  </a:txBody>
+                  <a:tcPr/>
+                </a:tc>
+                <a:tc>
+                  <a:txBody>
+                    <a:bodyPr/>
+                    <a:lstStyle/>
+                    <a:p>
+                      <a:pPr algn="ctr"/>
+                      <a:r>
+                        <a:rPr lang="it-IT" dirty="0"/>
+                        <a:t>83</a:t>
+                      </a:r>
+                    </a:p>
+                  </a:txBody>
+                  <a:tcPr/>
+                </a:tc>
+                <a:tc>
+                  <a:txBody>
+                    <a:bodyPr/>
+                    <a:lstStyle/>
+                    <a:p>
+                      <a:pPr algn="ctr"/>
+                      <a:r>
+                        <a:rPr lang="it-IT" dirty="0"/>
+                        <a:t>140</a:t>
+                      </a:r>
+                    </a:p>
+                  </a:txBody>
+                  <a:tcPr/>
+                </a:tc>
+                <a:tc>
+                  <a:txBody>
+                    <a:bodyPr/>
+                    <a:lstStyle/>
+                    <a:p>
+                      <a:pPr algn="ctr"/>
+                      <a:r>
+                        <a:rPr lang="it-IT" dirty="0"/>
+                        <a:t>82</a:t>
+                      </a:r>
+                    </a:p>
+                  </a:txBody>
+                  <a:tcPr/>
+                </a:tc>
+                <a:tc>
+                  <a:txBody>
+                    <a:bodyPr/>
+                    <a:lstStyle/>
+                    <a:p>
+                      <a:pPr algn="ctr"/>
+                      <a:r>
+                        <a:rPr lang="it-IT" dirty="0"/>
+                        <a:t>78</a:t>
+                      </a:r>
+                    </a:p>
+                  </a:txBody>
+                  <a:tcPr/>
+                </a:tc>
+                <a:tc>
+                  <a:txBody>
+                    <a:bodyPr/>
+                    <a:lstStyle/>
+                    <a:p>
+                      <a:pPr algn="ctr"/>
+                      <a:r>
+                        <a:rPr lang="it-IT" dirty="0"/>
+                        <a:t>68</a:t>
+                      </a:r>
+                    </a:p>
+                  </a:txBody>
+                  <a:tcPr/>
+                </a:tc>
+                <a:tc>
+                  <a:txBody>
+                    <a:bodyPr/>
+                    <a:lstStyle/>
+                    <a:p>
+                      <a:pPr algn="ctr"/>
+                      <a:r>
+                        <a:rPr lang="it-IT" dirty="0"/>
+                        <a:t>83</a:t>
+                      </a:r>
+                    </a:p>
+                  </a:txBody>
+                  <a:tcPr/>
+                </a:tc>
+                <a:tc>
+                  <a:txBody>
+                    <a:bodyPr/>
+                    <a:lstStyle/>
+                    <a:p>
+                      <a:pPr algn="ctr"/>
+                      <a:r>
+                        <a:rPr lang="it-IT" dirty="0"/>
+                        <a:t>142</a:t>
+                      </a:r>
+                    </a:p>
+                  </a:txBody>
+                  <a:tcPr/>
+                </a:tc>
+                <a:tc>
+                  <a:txBody>
+                    <a:bodyPr/>
+                    <a:lstStyle/>
+                    <a:p>
+                      <a:pPr algn="ctr"/>
+                      <a:r>
+                        <a:rPr lang="it-IT" dirty="0"/>
+                        <a:t>106</a:t>
+                      </a:r>
+                    </a:p>
+                  </a:txBody>
+                  <a:tcPr/>
+                </a:tc>
+                <a:extLst>
+                  <a:ext uri="{0D108BD9-81ED-4DB2-BD59-A6C34878D82A}">
+                    <a16:rowId xmlns:a16="http://schemas.microsoft.com/office/drawing/2014/main" val="239270429"/>
+                  </a:ext>
+                </a:extLst>
+              </a:tr>
+            </a:tbl>
+          </a:graphicData>
+        </a:graphic>
+      </p:graphicFrame>
+      <p:graphicFrame>
+        <p:nvGraphicFramePr>
+          <p:cNvPr id="15" name="Tabella 2">
+            <a:extLst>
+              <a:ext uri="{FF2B5EF4-FFF2-40B4-BE49-F238E27FC236}">
+                <a16:creationId xmlns:a16="http://schemas.microsoft.com/office/drawing/2014/main" id="{8BC54FA9-1FD0-1DC1-5A0C-E795B4B5989A}"/>
+              </a:ext>
+            </a:extLst>
+          </p:cNvPr>
+          <p:cNvGraphicFramePr>
+            <a:graphicFrameLocks noGrp="1"/>
+          </p:cNvGraphicFramePr>
+          <p:nvPr>
+            <p:extLst>
+              <p:ext uri="{D42A27DB-BD31-4B8C-83A1-F6EECF244321}">
+                <p14:modId xmlns:p14="http://schemas.microsoft.com/office/powerpoint/2010/main" val="2997323956"/>
+              </p:ext>
+            </p:extLst>
+          </p:nvPr>
+        </p:nvGraphicFramePr>
+        <p:xfrm>
+          <a:off x="284997" y="3332245"/>
+          <a:ext cx="11622006" cy="1521606"/>
+        </p:xfrm>
+        <a:graphic>
+          <a:graphicData uri="http://schemas.openxmlformats.org/drawingml/2006/table">
+            <a:tbl>
+              <a:tblPr firstRow="1" bandRow="1">
+                <a:tableStyleId>{5C22544A-7EE6-4342-B048-85BDC9FD1C3A}</a:tableStyleId>
+              </a:tblPr>
+              <a:tblGrid>
+                <a:gridCol w="1291334">
+                  <a:extLst>
+                    <a:ext uri="{9D8B030D-6E8A-4147-A177-3AD203B41FA5}">
+                      <a16:colId xmlns:a16="http://schemas.microsoft.com/office/drawing/2014/main" val="637562714"/>
+                    </a:ext>
+                  </a:extLst>
+                </a:gridCol>
+                <a:gridCol w="1291334">
+                  <a:extLst>
+                    <a:ext uri="{9D8B030D-6E8A-4147-A177-3AD203B41FA5}">
+                      <a16:colId xmlns:a16="http://schemas.microsoft.com/office/drawing/2014/main" val="1773447357"/>
+                    </a:ext>
+                  </a:extLst>
+                </a:gridCol>
+                <a:gridCol w="1291334">
+                  <a:extLst>
+                    <a:ext uri="{9D8B030D-6E8A-4147-A177-3AD203B41FA5}">
+                      <a16:colId xmlns:a16="http://schemas.microsoft.com/office/drawing/2014/main" val="4042608230"/>
+                    </a:ext>
+                  </a:extLst>
+                </a:gridCol>
+                <a:gridCol w="1291334">
+                  <a:extLst>
+                    <a:ext uri="{9D8B030D-6E8A-4147-A177-3AD203B41FA5}">
+                      <a16:colId xmlns:a16="http://schemas.microsoft.com/office/drawing/2014/main" val="1407418756"/>
+                    </a:ext>
+                  </a:extLst>
+                </a:gridCol>
+                <a:gridCol w="1291334">
+                  <a:extLst>
+                    <a:ext uri="{9D8B030D-6E8A-4147-A177-3AD203B41FA5}">
+                      <a16:colId xmlns:a16="http://schemas.microsoft.com/office/drawing/2014/main" val="3585025352"/>
+                    </a:ext>
+                  </a:extLst>
+                </a:gridCol>
+                <a:gridCol w="1291334">
+                  <a:extLst>
+                    <a:ext uri="{9D8B030D-6E8A-4147-A177-3AD203B41FA5}">
+                      <a16:colId xmlns:a16="http://schemas.microsoft.com/office/drawing/2014/main" val="3948802278"/>
+                    </a:ext>
+                  </a:extLst>
+                </a:gridCol>
+                <a:gridCol w="1291334">
+                  <a:extLst>
+                    <a:ext uri="{9D8B030D-6E8A-4147-A177-3AD203B41FA5}">
+                      <a16:colId xmlns:a16="http://schemas.microsoft.com/office/drawing/2014/main" val="571246549"/>
+                    </a:ext>
+                  </a:extLst>
+                </a:gridCol>
+                <a:gridCol w="1291334">
+                  <a:extLst>
+                    <a:ext uri="{9D8B030D-6E8A-4147-A177-3AD203B41FA5}">
+                      <a16:colId xmlns:a16="http://schemas.microsoft.com/office/drawing/2014/main" val="4198653104"/>
+                    </a:ext>
+                  </a:extLst>
+                </a:gridCol>
+                <a:gridCol w="1291334">
+                  <a:extLst>
+                    <a:ext uri="{9D8B030D-6E8A-4147-A177-3AD203B41FA5}">
+                      <a16:colId xmlns:a16="http://schemas.microsoft.com/office/drawing/2014/main" val="113112992"/>
+                    </a:ext>
+                  </a:extLst>
+                </a:gridCol>
+              </a:tblGrid>
+              <a:tr h="510686">
+                <a:tc gridSpan="9">
+                  <a:txBody>
+                    <a:bodyPr/>
+                    <a:lstStyle/>
+                    <a:p>
+                      <a:pPr algn="ctr"/>
+                      <a:r>
+                        <a:rPr lang="it-IT" u="sng" dirty="0"/>
+                        <a:t>VALIDATION</a:t>
+                      </a:r>
+                    </a:p>
+                  </a:txBody>
+                  <a:tcPr>
+                    <a:solidFill>
+                      <a:schemeClr val="accent5"/>
+                    </a:solidFill>
+                  </a:tcPr>
+                </a:tc>
+                <a:tc hMerge="1">
+                  <a:txBody>
+                    <a:bodyPr/>
+                    <a:lstStyle/>
+                    <a:p>
+                      <a:endParaRPr lang="it-IT" dirty="0"/>
+                    </a:p>
+                  </a:txBody>
+                  <a:tcPr/>
+                </a:tc>
+                <a:tc hMerge="1">
+                  <a:txBody>
+                    <a:bodyPr/>
+                    <a:lstStyle/>
+                    <a:p>
+                      <a:endParaRPr lang="it-IT" dirty="0"/>
+                    </a:p>
+                  </a:txBody>
+                  <a:tcPr/>
+                </a:tc>
+                <a:tc hMerge="1">
+                  <a:txBody>
+                    <a:bodyPr/>
+                    <a:lstStyle/>
+                    <a:p>
+                      <a:endParaRPr lang="it-IT" dirty="0"/>
+                    </a:p>
+                  </a:txBody>
+                  <a:tcPr/>
+                </a:tc>
+                <a:tc hMerge="1">
+                  <a:txBody>
+                    <a:bodyPr/>
+                    <a:lstStyle/>
+                    <a:p>
+                      <a:endParaRPr lang="it-IT" dirty="0"/>
+                    </a:p>
+                  </a:txBody>
+                  <a:tcPr/>
+                </a:tc>
+                <a:tc hMerge="1">
+                  <a:txBody>
+                    <a:bodyPr/>
+                    <a:lstStyle/>
+                    <a:p>
+                      <a:endParaRPr lang="it-IT" dirty="0"/>
+                    </a:p>
+                  </a:txBody>
+                  <a:tcPr/>
+                </a:tc>
+                <a:tc hMerge="1">
+                  <a:txBody>
+                    <a:bodyPr/>
+                    <a:lstStyle/>
+                    <a:p>
+                      <a:endParaRPr lang="it-IT" dirty="0"/>
+                    </a:p>
+                  </a:txBody>
+                  <a:tcPr/>
+                </a:tc>
+                <a:tc hMerge="1">
+                  <a:txBody>
+                    <a:bodyPr/>
+                    <a:lstStyle/>
+                    <a:p>
+                      <a:endParaRPr lang="it-IT" dirty="0"/>
+                    </a:p>
+                  </a:txBody>
+                  <a:tcPr/>
+                </a:tc>
+                <a:tc hMerge="1">
+                  <a:txBody>
+                    <a:bodyPr/>
+                    <a:lstStyle/>
+                    <a:p>
+                      <a:endParaRPr lang="it-IT" dirty="0"/>
+                    </a:p>
+                  </a:txBody>
+                  <a:tcPr/>
+                </a:tc>
+                <a:extLst>
+                  <a:ext uri="{0D108BD9-81ED-4DB2-BD59-A6C34878D82A}">
+                    <a16:rowId xmlns:a16="http://schemas.microsoft.com/office/drawing/2014/main" val="1900447291"/>
+                  </a:ext>
+                </a:extLst>
+              </a:tr>
+              <a:tr h="370840">
+                <a:tc>
+                  <a:txBody>
+                    <a:bodyPr/>
+                    <a:lstStyle/>
+                    <a:p>
+                      <a:pPr algn="ctr"/>
+                      <a:r>
+                        <a:rPr lang="it-IT" i="1" dirty="0"/>
+                        <a:t>DOLORE</a:t>
+                      </a:r>
+                    </a:p>
+                  </a:txBody>
+                  <a:tcPr/>
+                </a:tc>
+                <a:tc>
+                  <a:txBody>
+                    <a:bodyPr/>
+                    <a:lstStyle/>
+                    <a:p>
+                      <a:pPr algn="ctr"/>
+                      <a:r>
+                        <a:rPr lang="it-IT" i="1" dirty="0"/>
+                        <a:t>PIANTO BAMBINO</a:t>
+                      </a:r>
+                    </a:p>
+                  </a:txBody>
+                  <a:tcPr/>
+                </a:tc>
+                <a:tc>
+                  <a:txBody>
+                    <a:bodyPr/>
+                    <a:lstStyle/>
+                    <a:p>
+                      <a:pPr algn="ctr"/>
+                      <a:r>
+                        <a:rPr lang="it-IT" i="1" dirty="0"/>
+                        <a:t>RESPIRO</a:t>
+                      </a:r>
+                    </a:p>
+                  </a:txBody>
+                  <a:tcPr/>
+                </a:tc>
+                <a:tc>
+                  <a:txBody>
+                    <a:bodyPr/>
+                    <a:lstStyle/>
+                    <a:p>
+                      <a:pPr algn="ctr"/>
+                      <a:r>
+                        <a:rPr lang="it-IT" i="1" dirty="0"/>
+                        <a:t>RISATA</a:t>
+                      </a:r>
+                    </a:p>
+                  </a:txBody>
+                  <a:tcPr/>
+                </a:tc>
+                <a:tc>
+                  <a:txBody>
+                    <a:bodyPr/>
+                    <a:lstStyle/>
+                    <a:p>
+                      <a:pPr algn="ctr"/>
+                      <a:r>
+                        <a:rPr lang="it-IT" i="1" dirty="0"/>
+                        <a:t>RUSSARE</a:t>
+                      </a:r>
+                    </a:p>
+                  </a:txBody>
+                  <a:tcPr/>
+                </a:tc>
+                <a:tc>
+                  <a:txBody>
+                    <a:bodyPr/>
+                    <a:lstStyle/>
+                    <a:p>
+                      <a:pPr algn="ctr"/>
+                      <a:r>
+                        <a:rPr lang="it-IT" i="1" dirty="0"/>
+                        <a:t>SBADIGLIO</a:t>
+                      </a:r>
+                    </a:p>
+                  </a:txBody>
+                  <a:tcPr/>
+                </a:tc>
+                <a:tc>
+                  <a:txBody>
+                    <a:bodyPr/>
+                    <a:lstStyle/>
+                    <a:p>
+                      <a:pPr algn="ctr"/>
+                      <a:r>
+                        <a:rPr lang="it-IT" i="1" dirty="0"/>
+                        <a:t>STARNUTO</a:t>
+                      </a:r>
+                    </a:p>
+                  </a:txBody>
+                  <a:tcPr/>
+                </a:tc>
+                <a:tc>
+                  <a:txBody>
+                    <a:bodyPr/>
+                    <a:lstStyle/>
+                    <a:p>
+                      <a:pPr algn="ctr"/>
+                      <a:r>
+                        <a:rPr lang="it-IT" i="1" dirty="0"/>
+                        <a:t>TOSSE</a:t>
+                      </a:r>
+                    </a:p>
+                  </a:txBody>
+                  <a:tcPr/>
+                </a:tc>
+                <a:tc>
+                  <a:txBody>
+                    <a:bodyPr/>
+                    <a:lstStyle/>
+                    <a:p>
+                      <a:pPr algn="ctr"/>
+                      <a:r>
+                        <a:rPr lang="it-IT" i="1" dirty="0"/>
+                        <a:t>URLA</a:t>
+                      </a:r>
+                    </a:p>
+                  </a:txBody>
+                  <a:tcPr/>
+                </a:tc>
+                <a:extLst>
+                  <a:ext uri="{0D108BD9-81ED-4DB2-BD59-A6C34878D82A}">
+                    <a16:rowId xmlns:a16="http://schemas.microsoft.com/office/drawing/2014/main" val="2798989560"/>
+                  </a:ext>
+                </a:extLst>
+              </a:tr>
+              <a:tr h="370840">
+                <a:tc>
+                  <a:txBody>
+                    <a:bodyPr/>
+                    <a:lstStyle/>
+                    <a:p>
+                      <a:pPr algn="ctr"/>
+                      <a:r>
+                        <a:rPr lang="it-IT" dirty="0"/>
+                        <a:t>37</a:t>
+                      </a:r>
+                    </a:p>
+                  </a:txBody>
+                  <a:tcPr/>
+                </a:tc>
+                <a:tc>
+                  <a:txBody>
+                    <a:bodyPr/>
+                    <a:lstStyle/>
+                    <a:p>
+                      <a:pPr algn="ctr"/>
+                      <a:r>
+                        <a:rPr lang="it-IT" dirty="0"/>
+                        <a:t>24</a:t>
+                      </a:r>
+                    </a:p>
+                  </a:txBody>
+                  <a:tcPr/>
+                </a:tc>
+                <a:tc>
+                  <a:txBody>
+                    <a:bodyPr/>
+                    <a:lstStyle/>
+                    <a:p>
+                      <a:pPr algn="ctr"/>
+                      <a:r>
+                        <a:rPr lang="it-IT" dirty="0"/>
+                        <a:t>40</a:t>
+                      </a:r>
+                    </a:p>
+                  </a:txBody>
+                  <a:tcPr/>
+                </a:tc>
+                <a:tc>
+                  <a:txBody>
+                    <a:bodyPr/>
+                    <a:lstStyle/>
+                    <a:p>
+                      <a:pPr algn="ctr"/>
+                      <a:r>
+                        <a:rPr lang="it-IT" dirty="0"/>
+                        <a:t>23</a:t>
+                      </a:r>
+                    </a:p>
+                  </a:txBody>
+                  <a:tcPr/>
+                </a:tc>
+                <a:tc>
+                  <a:txBody>
+                    <a:bodyPr/>
+                    <a:lstStyle/>
+                    <a:p>
+                      <a:pPr algn="ctr"/>
+                      <a:r>
+                        <a:rPr lang="it-IT" dirty="0"/>
+                        <a:t>22</a:t>
+                      </a:r>
+                    </a:p>
+                  </a:txBody>
+                  <a:tcPr/>
+                </a:tc>
+                <a:tc>
+                  <a:txBody>
+                    <a:bodyPr/>
+                    <a:lstStyle/>
+                    <a:p>
+                      <a:pPr algn="ctr"/>
+                      <a:r>
+                        <a:rPr lang="it-IT" dirty="0"/>
+                        <a:t>20</a:t>
+                      </a:r>
+                    </a:p>
+                  </a:txBody>
+                  <a:tcPr/>
+                </a:tc>
+                <a:tc>
+                  <a:txBody>
+                    <a:bodyPr/>
+                    <a:lstStyle/>
+                    <a:p>
+                      <a:pPr algn="ctr"/>
+                      <a:r>
+                        <a:rPr lang="it-IT" dirty="0"/>
+                        <a:t>23</a:t>
+                      </a:r>
+                    </a:p>
+                  </a:txBody>
+                  <a:tcPr/>
+                </a:tc>
+                <a:tc>
+                  <a:txBody>
+                    <a:bodyPr/>
+                    <a:lstStyle/>
+                    <a:p>
+                      <a:pPr algn="ctr"/>
+                      <a:r>
+                        <a:rPr lang="it-IT" dirty="0"/>
+                        <a:t>45</a:t>
+                      </a:r>
+                    </a:p>
+                  </a:txBody>
+                  <a:tcPr/>
+                </a:tc>
+                <a:tc>
+                  <a:txBody>
+                    <a:bodyPr/>
+                    <a:lstStyle/>
+                    <a:p>
+                      <a:pPr algn="ctr"/>
+                      <a:r>
+                        <a:rPr lang="it-IT" dirty="0"/>
+                        <a:t>30</a:t>
+                      </a:r>
+                    </a:p>
+                  </a:txBody>
+                  <a:tcPr/>
+                </a:tc>
+                <a:extLst>
+                  <a:ext uri="{0D108BD9-81ED-4DB2-BD59-A6C34878D82A}">
+                    <a16:rowId xmlns:a16="http://schemas.microsoft.com/office/drawing/2014/main" val="239270429"/>
+                  </a:ext>
+                </a:extLst>
+              </a:tr>
+            </a:tbl>
+          </a:graphicData>
+        </a:graphic>
+      </p:graphicFrame>
+      <p:graphicFrame>
+        <p:nvGraphicFramePr>
+          <p:cNvPr id="16" name="Tabella 2">
+            <a:extLst>
+              <a:ext uri="{FF2B5EF4-FFF2-40B4-BE49-F238E27FC236}">
+                <a16:creationId xmlns:a16="http://schemas.microsoft.com/office/drawing/2014/main" id="{F46F5372-E813-865C-7FF5-925D514BB774}"/>
+              </a:ext>
+            </a:extLst>
+          </p:cNvPr>
+          <p:cNvGraphicFramePr>
+            <a:graphicFrameLocks noGrp="1"/>
+          </p:cNvGraphicFramePr>
+          <p:nvPr>
+            <p:extLst>
+              <p:ext uri="{D42A27DB-BD31-4B8C-83A1-F6EECF244321}">
+                <p14:modId xmlns:p14="http://schemas.microsoft.com/office/powerpoint/2010/main" val="192448889"/>
+              </p:ext>
+            </p:extLst>
+          </p:nvPr>
+        </p:nvGraphicFramePr>
+        <p:xfrm>
+          <a:off x="284997" y="5020170"/>
+          <a:ext cx="11622006" cy="1521606"/>
+        </p:xfrm>
+        <a:graphic>
+          <a:graphicData uri="http://schemas.openxmlformats.org/drawingml/2006/table">
+            <a:tbl>
+              <a:tblPr firstRow="1" bandRow="1">
+                <a:tableStyleId>{5C22544A-7EE6-4342-B048-85BDC9FD1C3A}</a:tableStyleId>
+              </a:tblPr>
+              <a:tblGrid>
+                <a:gridCol w="1291334">
+                  <a:extLst>
+                    <a:ext uri="{9D8B030D-6E8A-4147-A177-3AD203B41FA5}">
+                      <a16:colId xmlns:a16="http://schemas.microsoft.com/office/drawing/2014/main" val="637562714"/>
+                    </a:ext>
+                  </a:extLst>
+                </a:gridCol>
+                <a:gridCol w="1291334">
+                  <a:extLst>
+                    <a:ext uri="{9D8B030D-6E8A-4147-A177-3AD203B41FA5}">
+                      <a16:colId xmlns:a16="http://schemas.microsoft.com/office/drawing/2014/main" val="1773447357"/>
+                    </a:ext>
+                  </a:extLst>
+                </a:gridCol>
+                <a:gridCol w="1291334">
+                  <a:extLst>
+                    <a:ext uri="{9D8B030D-6E8A-4147-A177-3AD203B41FA5}">
+                      <a16:colId xmlns:a16="http://schemas.microsoft.com/office/drawing/2014/main" val="4042608230"/>
+                    </a:ext>
+                  </a:extLst>
+                </a:gridCol>
+                <a:gridCol w="1291334">
+                  <a:extLst>
+                    <a:ext uri="{9D8B030D-6E8A-4147-A177-3AD203B41FA5}">
+                      <a16:colId xmlns:a16="http://schemas.microsoft.com/office/drawing/2014/main" val="1407418756"/>
+                    </a:ext>
+                  </a:extLst>
+                </a:gridCol>
+                <a:gridCol w="1291334">
+                  <a:extLst>
+                    <a:ext uri="{9D8B030D-6E8A-4147-A177-3AD203B41FA5}">
+                      <a16:colId xmlns:a16="http://schemas.microsoft.com/office/drawing/2014/main" val="3585025352"/>
+                    </a:ext>
+                  </a:extLst>
+                </a:gridCol>
+                <a:gridCol w="1291334">
+                  <a:extLst>
+                    <a:ext uri="{9D8B030D-6E8A-4147-A177-3AD203B41FA5}">
+                      <a16:colId xmlns:a16="http://schemas.microsoft.com/office/drawing/2014/main" val="3948802278"/>
+                    </a:ext>
+                  </a:extLst>
+                </a:gridCol>
+                <a:gridCol w="1291334">
+                  <a:extLst>
+                    <a:ext uri="{9D8B030D-6E8A-4147-A177-3AD203B41FA5}">
+                      <a16:colId xmlns:a16="http://schemas.microsoft.com/office/drawing/2014/main" val="571246549"/>
+                    </a:ext>
+                  </a:extLst>
+                </a:gridCol>
+                <a:gridCol w="1291334">
+                  <a:extLst>
+                    <a:ext uri="{9D8B030D-6E8A-4147-A177-3AD203B41FA5}">
+                      <a16:colId xmlns:a16="http://schemas.microsoft.com/office/drawing/2014/main" val="4198653104"/>
+                    </a:ext>
+                  </a:extLst>
+                </a:gridCol>
+                <a:gridCol w="1291334">
+                  <a:extLst>
+                    <a:ext uri="{9D8B030D-6E8A-4147-A177-3AD203B41FA5}">
+                      <a16:colId xmlns:a16="http://schemas.microsoft.com/office/drawing/2014/main" val="113112992"/>
+                    </a:ext>
+                  </a:extLst>
+                </a:gridCol>
+              </a:tblGrid>
+              <a:tr h="510686">
+                <a:tc gridSpan="9">
+                  <a:txBody>
+                    <a:bodyPr/>
+                    <a:lstStyle/>
+                    <a:p>
+                      <a:pPr algn="ctr"/>
+                      <a:r>
+                        <a:rPr lang="it-IT" i="0" u="sng" dirty="0"/>
+                        <a:t>TEST</a:t>
+                      </a:r>
+                    </a:p>
+                  </a:txBody>
+                  <a:tcPr>
+                    <a:solidFill>
+                      <a:schemeClr val="accent6"/>
+                    </a:solidFill>
+                  </a:tcPr>
+                </a:tc>
+                <a:tc hMerge="1">
+                  <a:txBody>
+                    <a:bodyPr/>
+                    <a:lstStyle/>
+                    <a:p>
+                      <a:endParaRPr lang="it-IT" dirty="0"/>
+                    </a:p>
+                  </a:txBody>
+                  <a:tcPr/>
+                </a:tc>
+                <a:tc hMerge="1">
+                  <a:txBody>
+                    <a:bodyPr/>
+                    <a:lstStyle/>
+                    <a:p>
+                      <a:endParaRPr lang="it-IT" dirty="0"/>
+                    </a:p>
+                  </a:txBody>
+                  <a:tcPr/>
+                </a:tc>
+                <a:tc hMerge="1">
+                  <a:txBody>
+                    <a:bodyPr/>
+                    <a:lstStyle/>
+                    <a:p>
+                      <a:endParaRPr lang="it-IT" dirty="0"/>
+                    </a:p>
+                  </a:txBody>
+                  <a:tcPr/>
+                </a:tc>
+                <a:tc hMerge="1">
+                  <a:txBody>
+                    <a:bodyPr/>
+                    <a:lstStyle/>
+                    <a:p>
+                      <a:endParaRPr lang="it-IT" dirty="0"/>
+                    </a:p>
+                  </a:txBody>
+                  <a:tcPr/>
+                </a:tc>
+                <a:tc hMerge="1">
+                  <a:txBody>
+                    <a:bodyPr/>
+                    <a:lstStyle/>
+                    <a:p>
+                      <a:endParaRPr lang="it-IT" dirty="0"/>
+                    </a:p>
+                  </a:txBody>
+                  <a:tcPr/>
+                </a:tc>
+                <a:tc hMerge="1">
+                  <a:txBody>
+                    <a:bodyPr/>
+                    <a:lstStyle/>
+                    <a:p>
+                      <a:endParaRPr lang="it-IT" dirty="0"/>
+                    </a:p>
+                  </a:txBody>
+                  <a:tcPr/>
+                </a:tc>
+                <a:tc hMerge="1">
+                  <a:txBody>
+                    <a:bodyPr/>
+                    <a:lstStyle/>
+                    <a:p>
+                      <a:endParaRPr lang="it-IT" dirty="0"/>
+                    </a:p>
+                  </a:txBody>
+                  <a:tcPr/>
+                </a:tc>
+                <a:tc hMerge="1">
+                  <a:txBody>
+                    <a:bodyPr/>
+                    <a:lstStyle/>
+                    <a:p>
+                      <a:endParaRPr lang="it-IT" dirty="0"/>
+                    </a:p>
+                  </a:txBody>
+                  <a:tcPr/>
+                </a:tc>
+                <a:extLst>
+                  <a:ext uri="{0D108BD9-81ED-4DB2-BD59-A6C34878D82A}">
+                    <a16:rowId xmlns:a16="http://schemas.microsoft.com/office/drawing/2014/main" val="1900447291"/>
+                  </a:ext>
+                </a:extLst>
+              </a:tr>
+              <a:tr h="370840">
+                <a:tc>
+                  <a:txBody>
+                    <a:bodyPr/>
+                    <a:lstStyle/>
+                    <a:p>
+                      <a:pPr algn="ctr"/>
+                      <a:r>
+                        <a:rPr lang="it-IT" i="1" dirty="0"/>
+                        <a:t>DOLORE</a:t>
+                      </a:r>
+                    </a:p>
+                  </a:txBody>
+                  <a:tcPr/>
+                </a:tc>
+                <a:tc>
+                  <a:txBody>
+                    <a:bodyPr/>
+                    <a:lstStyle/>
+                    <a:p>
+                      <a:pPr algn="ctr"/>
+                      <a:r>
+                        <a:rPr lang="it-IT" i="1" dirty="0"/>
+                        <a:t>PIANTO BAMBINO</a:t>
+                      </a:r>
+                    </a:p>
+                  </a:txBody>
+                  <a:tcPr/>
+                </a:tc>
+                <a:tc>
+                  <a:txBody>
+                    <a:bodyPr/>
+                    <a:lstStyle/>
+                    <a:p>
+                      <a:pPr algn="ctr"/>
+                      <a:r>
+                        <a:rPr lang="it-IT" i="1" dirty="0"/>
+                        <a:t>RESPIRO</a:t>
+                      </a:r>
+                    </a:p>
+                  </a:txBody>
+                  <a:tcPr/>
+                </a:tc>
+                <a:tc>
+                  <a:txBody>
+                    <a:bodyPr/>
+                    <a:lstStyle/>
+                    <a:p>
+                      <a:pPr algn="ctr"/>
+                      <a:r>
+                        <a:rPr lang="it-IT" i="1" dirty="0"/>
+                        <a:t>RISATA</a:t>
+                      </a:r>
+                    </a:p>
+                  </a:txBody>
+                  <a:tcPr/>
+                </a:tc>
+                <a:tc>
+                  <a:txBody>
+                    <a:bodyPr/>
+                    <a:lstStyle/>
+                    <a:p>
+                      <a:pPr algn="ctr"/>
+                      <a:r>
+                        <a:rPr lang="it-IT" i="1" dirty="0"/>
+                        <a:t>RUSSARE</a:t>
+                      </a:r>
+                    </a:p>
+                  </a:txBody>
+                  <a:tcPr/>
+                </a:tc>
+                <a:tc>
+                  <a:txBody>
+                    <a:bodyPr/>
+                    <a:lstStyle/>
+                    <a:p>
+                      <a:pPr algn="ctr"/>
+                      <a:r>
+                        <a:rPr lang="it-IT" i="1" dirty="0"/>
+                        <a:t>SBADIGLIO</a:t>
+                      </a:r>
+                    </a:p>
+                  </a:txBody>
+                  <a:tcPr/>
+                </a:tc>
+                <a:tc>
+                  <a:txBody>
+                    <a:bodyPr/>
+                    <a:lstStyle/>
+                    <a:p>
+                      <a:pPr algn="ctr"/>
+                      <a:r>
+                        <a:rPr lang="it-IT" i="1" dirty="0"/>
+                        <a:t>STARNUTO</a:t>
+                      </a:r>
+                    </a:p>
+                  </a:txBody>
+                  <a:tcPr/>
+                </a:tc>
+                <a:tc>
+                  <a:txBody>
+                    <a:bodyPr/>
+                    <a:lstStyle/>
+                    <a:p>
+                      <a:pPr algn="ctr"/>
+                      <a:r>
+                        <a:rPr lang="it-IT" i="1" dirty="0"/>
+                        <a:t>TOSSE</a:t>
+                      </a:r>
+                    </a:p>
+                  </a:txBody>
+                  <a:tcPr/>
+                </a:tc>
+                <a:tc>
+                  <a:txBody>
+                    <a:bodyPr/>
+                    <a:lstStyle/>
+                    <a:p>
+                      <a:pPr algn="ctr"/>
+                      <a:r>
+                        <a:rPr lang="it-IT" i="1" dirty="0"/>
+                        <a:t>URLA</a:t>
+                      </a:r>
+                    </a:p>
+                  </a:txBody>
+                  <a:tcPr/>
+                </a:tc>
+                <a:extLst>
+                  <a:ext uri="{0D108BD9-81ED-4DB2-BD59-A6C34878D82A}">
+                    <a16:rowId xmlns:a16="http://schemas.microsoft.com/office/drawing/2014/main" val="2798989560"/>
+                  </a:ext>
+                </a:extLst>
+              </a:tr>
+              <a:tr h="370840">
+                <a:tc>
+                  <a:txBody>
+                    <a:bodyPr/>
+                    <a:lstStyle/>
+                    <a:p>
+                      <a:pPr algn="ctr"/>
+                      <a:r>
+                        <a:rPr lang="it-IT" dirty="0"/>
+                        <a:t>18</a:t>
+                      </a:r>
+                    </a:p>
+                  </a:txBody>
+                  <a:tcPr/>
+                </a:tc>
+                <a:tc>
+                  <a:txBody>
+                    <a:bodyPr/>
+                    <a:lstStyle/>
+                    <a:p>
+                      <a:pPr algn="ctr"/>
+                      <a:r>
+                        <a:rPr lang="it-IT" dirty="0"/>
+                        <a:t>12</a:t>
+                      </a:r>
+                    </a:p>
+                  </a:txBody>
+                  <a:tcPr/>
+                </a:tc>
+                <a:tc>
+                  <a:txBody>
+                    <a:bodyPr/>
+                    <a:lstStyle/>
+                    <a:p>
+                      <a:pPr algn="ctr"/>
+                      <a:r>
+                        <a:rPr lang="it-IT" dirty="0"/>
+                        <a:t>20</a:t>
+                      </a:r>
+                    </a:p>
+                  </a:txBody>
+                  <a:tcPr/>
+                </a:tc>
+                <a:tc>
+                  <a:txBody>
+                    <a:bodyPr/>
+                    <a:lstStyle/>
+                    <a:p>
+                      <a:pPr algn="ctr"/>
+                      <a:r>
+                        <a:rPr lang="it-IT" dirty="0"/>
+                        <a:t>11</a:t>
+                      </a:r>
+                    </a:p>
+                  </a:txBody>
+                  <a:tcPr/>
+                </a:tc>
+                <a:tc>
+                  <a:txBody>
+                    <a:bodyPr/>
+                    <a:lstStyle/>
+                    <a:p>
+                      <a:pPr algn="ctr"/>
+                      <a:r>
+                        <a:rPr lang="it-IT" dirty="0"/>
+                        <a:t>11</a:t>
+                      </a:r>
+                    </a:p>
+                  </a:txBody>
+                  <a:tcPr/>
+                </a:tc>
+                <a:tc>
+                  <a:txBody>
+                    <a:bodyPr/>
+                    <a:lstStyle/>
+                    <a:p>
+                      <a:pPr algn="ctr"/>
+                      <a:r>
+                        <a:rPr lang="it-IT" dirty="0"/>
+                        <a:t>9</a:t>
+                      </a:r>
+                    </a:p>
+                  </a:txBody>
+                  <a:tcPr/>
+                </a:tc>
+                <a:tc>
+                  <a:txBody>
+                    <a:bodyPr/>
+                    <a:lstStyle/>
+                    <a:p>
+                      <a:pPr algn="ctr"/>
+                      <a:r>
+                        <a:rPr lang="it-IT" dirty="0"/>
+                        <a:t>12</a:t>
+                      </a:r>
+                    </a:p>
+                  </a:txBody>
+                  <a:tcPr/>
+                </a:tc>
+                <a:tc>
+                  <a:txBody>
+                    <a:bodyPr/>
+                    <a:lstStyle/>
+                    <a:p>
+                      <a:pPr algn="ctr"/>
+                      <a:r>
+                        <a:rPr lang="it-IT" dirty="0"/>
+                        <a:t>22</a:t>
+                      </a:r>
+                    </a:p>
+                  </a:txBody>
+                  <a:tcPr/>
+                </a:tc>
+                <a:tc>
+                  <a:txBody>
+                    <a:bodyPr/>
+                    <a:lstStyle/>
+                    <a:p>
+                      <a:pPr algn="ctr"/>
+                      <a:r>
+                        <a:rPr lang="it-IT" dirty="0"/>
+                        <a:t>15</a:t>
+                      </a:r>
+                    </a:p>
+                  </a:txBody>
+                  <a:tcPr/>
+                </a:tc>
+                <a:extLst>
+                  <a:ext uri="{0D108BD9-81ED-4DB2-BD59-A6C34878D82A}">
+                    <a16:rowId xmlns:a16="http://schemas.microsoft.com/office/drawing/2014/main" val="239270429"/>
+                  </a:ext>
+                </a:extLst>
+              </a:tr>
+            </a:tbl>
+          </a:graphicData>
+        </a:graphic>
+      </p:graphicFrame>
       <p:sp>
         <p:nvSpPr>
-          <p:cNvPr id="3" name="CasellaDiTesto 2">
+          <p:cNvPr id="17" name="Titolo 1">
             <a:extLst>
               <a:ext uri="{FF2B5EF4-FFF2-40B4-BE49-F238E27FC236}">
-                <a16:creationId xmlns:a16="http://schemas.microsoft.com/office/drawing/2014/main" id="{103AB1F6-ACC5-384C-0B77-01475FD182E0}"/>
+                <a16:creationId xmlns:a16="http://schemas.microsoft.com/office/drawing/2014/main" id="{79775446-CDB9-4656-E238-5590E39F1515}"/>
               </a:ext>
             </a:extLst>
           </p:cNvPr>
-          <p:cNvSpPr txBox="1"/>
-          <p:nvPr/>
+          <p:cNvSpPr>
+            <a:spLocks noGrp="1"/>
+          </p:cNvSpPr>
+          <p:nvPr>
+            <p:ph type="ctrTitle"/>
+          </p:nvPr>
         </p:nvSpPr>
         <p:spPr>
           <a:xfrm>
-            <a:off x="1000611" y="3057561"/>
-            <a:ext cx="6846105" cy="2308324"/>
+            <a:off x="309760" y="0"/>
+            <a:ext cx="6614161" cy="1313106"/>
           </a:xfrm>
-          <a:prstGeom prst="rect">
-            <a:avLst/>
-          </a:prstGeom>
-          <a:noFill/>
         </p:spPr>
         <p:txBody>
-          <a:bodyPr wrap="none" rtlCol="0">
-            <a:spAutoFit/>
+          <a:bodyPr>
+            <a:normAutofit/>
           </a:bodyPr>
           <a:lstStyle/>
           <a:p>
+            <a:pPr algn="l"/>
             <a:r>
-              <a:rPr lang="it-IT" sz="3600" dirty="0"/>
-              <a:t>Divisione dei dati nella relativa </a:t>
+              <a:rPr lang="it-IT" dirty="0"/>
+              <a:t>Suddivisione audio</a:t>
             </a:r>
-            <a:r>
-              <a:rPr lang="it-IT" sz="3600" dirty="0" err="1"/>
-              <a:t>fold</a:t>
-            </a:r>
-            <a:r>
-              <a:rPr lang="it-IT" sz="3600" dirty="0"/>
-              <a:t>:</a:t>
-            </a:r>
-          </a:p>
-          <a:p>
-            <a:pPr marL="285750" indent="-285750">
-              <a:buFontTx/>
-              <a:buChar char="-"/>
-            </a:pPr>
-            <a:r>
-              <a:rPr lang="it-IT" sz="3600" dirty="0"/>
-              <a:t>Training </a:t>
-            </a:r>
-            <a:r>
-              <a:rPr lang="it-IT" sz="3600" dirty="0">
-                <a:sym typeface="Wingdings" pitchFamily="2" charset="2"/>
-              </a:rPr>
-              <a:t> 1</a:t>
-            </a:r>
-          </a:p>
-          <a:p>
-            <a:pPr marL="285750" indent="-285750">
-              <a:buFontTx/>
-              <a:buChar char="-"/>
-            </a:pPr>
-            <a:r>
-              <a:rPr lang="it-IT" sz="3600" dirty="0">
-                <a:sym typeface="Wingdings" pitchFamily="2" charset="2"/>
-              </a:rPr>
-              <a:t>Test  2</a:t>
-            </a:r>
-          </a:p>
-          <a:p>
-            <a:pPr marL="285750" indent="-285750">
-              <a:buFontTx/>
-              <a:buChar char="-"/>
-            </a:pPr>
-            <a:r>
-              <a:rPr lang="it-IT" sz="3600" dirty="0" err="1">
-                <a:sym typeface="Wingdings" pitchFamily="2" charset="2"/>
-              </a:rPr>
-              <a:t>Validation</a:t>
-            </a:r>
-            <a:r>
-              <a:rPr lang="it-IT" sz="3600" dirty="0">
-                <a:sym typeface="Wingdings" pitchFamily="2" charset="2"/>
-              </a:rPr>
-              <a:t>  3</a:t>
-            </a:r>
-            <a:endParaRPr lang="it-IT" sz="3600" dirty="0"/>
           </a:p>
         </p:txBody>
       </p:sp>
     </p:spTree>
     <p:extLst>
       <p:ext uri="{BB962C8B-B14F-4D97-AF65-F5344CB8AC3E}">
-        <p14:creationId xmlns:p14="http://schemas.microsoft.com/office/powerpoint/2010/main" val="644945933"/>
+        <p14:creationId xmlns:p14="http://schemas.microsoft.com/office/powerpoint/2010/main" val="1919696186"/>
       </p:ext>
     </p:extLst>
   </p:cSld>
@@ -14518,86 +16489,6 @@
               </a:solidFill>
               <a:latin typeface="+mj-lt"/>
             </a:endParaRPr>
-          </a:p>
-        </p:txBody>
-      </p:sp>
-      <p:sp>
-        <p:nvSpPr>
-          <p:cNvPr id="2" name="Titolo 1">
-            <a:extLst>
-              <a:ext uri="{FF2B5EF4-FFF2-40B4-BE49-F238E27FC236}">
-                <a16:creationId xmlns:a16="http://schemas.microsoft.com/office/drawing/2014/main" id="{B82C22EB-BEEB-10AC-3892-797A929D89B9}"/>
-              </a:ext>
-            </a:extLst>
-          </p:cNvPr>
-          <p:cNvSpPr>
-            <a:spLocks noGrp="1"/>
-          </p:cNvSpPr>
-          <p:nvPr>
-            <p:ph type="ctrTitle"/>
-          </p:nvPr>
-        </p:nvSpPr>
-        <p:spPr>
-          <a:xfrm>
-            <a:off x="777238" y="1122363"/>
-            <a:ext cx="6614161" cy="1313106"/>
-          </a:xfrm>
-        </p:spPr>
-        <p:txBody>
-          <a:bodyPr>
-            <a:normAutofit/>
-          </a:bodyPr>
-          <a:lstStyle/>
-          <a:p>
-            <a:pPr algn="l"/>
-            <a:r>
-              <a:rPr lang="it-IT" dirty="0"/>
-              <a:t>Aspetti tecnici</a:t>
-            </a:r>
-          </a:p>
-        </p:txBody>
-      </p:sp>
-      <p:sp>
-        <p:nvSpPr>
-          <p:cNvPr id="3" name="Sottotitolo 2">
-            <a:extLst>
-              <a:ext uri="{FF2B5EF4-FFF2-40B4-BE49-F238E27FC236}">
-                <a16:creationId xmlns:a16="http://schemas.microsoft.com/office/drawing/2014/main" id="{811DFDED-5484-959A-747B-ACFBBB911902}"/>
-              </a:ext>
-            </a:extLst>
-          </p:cNvPr>
-          <p:cNvSpPr>
-            <a:spLocks noGrp="1"/>
-          </p:cNvSpPr>
-          <p:nvPr>
-            <p:ph type="subTitle" idx="1"/>
-          </p:nvPr>
-        </p:nvSpPr>
-        <p:spPr>
-          <a:xfrm>
-            <a:off x="777238" y="2435469"/>
-            <a:ext cx="6614161" cy="4299439"/>
-          </a:xfrm>
-        </p:spPr>
-        <p:txBody>
-          <a:bodyPr>
-            <a:normAutofit/>
-          </a:bodyPr>
-          <a:lstStyle/>
-          <a:p>
-            <a:pPr algn="l"/>
-            <a:r>
-              <a:rPr lang="it-IT" i="1" dirty="0"/>
-              <a:t>E’ fondamentale che si utilizzino audio con le giuste caratteristiche, ovvero con canale mono a 16 kHz, infatti al processamento di ogni file viene anteposta una fase di conversione. Successivamente grazie all’utilizzo di un file CSV e della libreria «</a:t>
-            </a:r>
-            <a:r>
-              <a:rPr lang="it-IT" i="1" dirty="0" err="1"/>
-              <a:t>pandas</a:t>
-            </a:r>
-            <a:r>
-              <a:rPr lang="it-IT" i="1" dirty="0"/>
-              <a:t>» viene creata una struttura contenente tutti i dati utili, sfruttando le diverse categorie in cui sono stati divisi i dati.</a:t>
-            </a:r>
           </a:p>
         </p:txBody>
       </p:sp>
@@ -15014,10 +16905,139 @@
           </a:custGeom>
         </p:spPr>
       </p:pic>
+      <p:pic>
+        <p:nvPicPr>
+          <p:cNvPr id="2" name="Immagine 1">
+            <a:extLst>
+              <a:ext uri="{FF2B5EF4-FFF2-40B4-BE49-F238E27FC236}">
+                <a16:creationId xmlns:a16="http://schemas.microsoft.com/office/drawing/2014/main" id="{065A2987-886F-B8C3-98D7-884BDEBBE34F}"/>
+              </a:ext>
+            </a:extLst>
+          </p:cNvPr>
+          <p:cNvPicPr>
+            <a:picLocks noChangeAspect="1"/>
+          </p:cNvPicPr>
+          <p:nvPr/>
+        </p:nvPicPr>
+        <p:blipFill>
+          <a:blip r:embed="rId3"/>
+          <a:stretch>
+            <a:fillRect/>
+          </a:stretch>
+        </p:blipFill>
+        <p:spPr>
+          <a:xfrm>
+            <a:off x="1047283" y="927566"/>
+            <a:ext cx="10097433" cy="1776400"/>
+          </a:xfrm>
+          <a:prstGeom prst="rect">
+            <a:avLst/>
+          </a:prstGeom>
+          <a:ln>
+            <a:noFill/>
+          </a:ln>
+          <a:effectLst>
+            <a:outerShdw blurRad="292100" dist="139700" dir="2700000" algn="tl" rotWithShape="0">
+              <a:srgbClr val="333333">
+                <a:alpha val="65000"/>
+              </a:srgbClr>
+            </a:outerShdw>
+          </a:effectLst>
+        </p:spPr>
+      </p:pic>
+      <p:sp>
+        <p:nvSpPr>
+          <p:cNvPr id="3" name="CasellaDiTesto 2">
+            <a:extLst>
+              <a:ext uri="{FF2B5EF4-FFF2-40B4-BE49-F238E27FC236}">
+                <a16:creationId xmlns:a16="http://schemas.microsoft.com/office/drawing/2014/main" id="{103AB1F6-ACC5-384C-0B77-01475FD182E0}"/>
+              </a:ext>
+            </a:extLst>
+          </p:cNvPr>
+          <p:cNvSpPr txBox="1"/>
+          <p:nvPr/>
+        </p:nvSpPr>
+        <p:spPr>
+          <a:xfrm>
+            <a:off x="1000611" y="3057561"/>
+            <a:ext cx="6846105" cy="2308324"/>
+          </a:xfrm>
+          <a:prstGeom prst="rect">
+            <a:avLst/>
+          </a:prstGeom>
+          <a:noFill/>
+        </p:spPr>
+        <p:txBody>
+          <a:bodyPr wrap="none" rtlCol="0">
+            <a:spAutoFit/>
+          </a:bodyPr>
+          <a:lstStyle/>
+          <a:p>
+            <a:r>
+              <a:rPr lang="it-IT" sz="3600" dirty="0"/>
+              <a:t>Divisione dei dati nella relativa </a:t>
+            </a:r>
+            <a:r>
+              <a:rPr lang="it-IT" sz="3600" dirty="0" err="1"/>
+              <a:t>fold</a:t>
+            </a:r>
+            <a:r>
+              <a:rPr lang="it-IT" sz="3600" dirty="0"/>
+              <a:t>:</a:t>
+            </a:r>
+          </a:p>
+          <a:p>
+            <a:pPr marL="285750" indent="-285750">
+              <a:buFontTx/>
+              <a:buChar char="-"/>
+            </a:pPr>
+            <a:r>
+              <a:rPr lang="it-IT" sz="3600" dirty="0"/>
+              <a:t>Training </a:t>
+            </a:r>
+            <a:r>
+              <a:rPr lang="it-IT" sz="3600" dirty="0">
+                <a:sym typeface="Wingdings" pitchFamily="2" charset="2"/>
+              </a:rPr>
+              <a:t> 1</a:t>
+            </a:r>
+          </a:p>
+          <a:p>
+            <a:pPr marL="285750" indent="-285750">
+              <a:buFontTx/>
+              <a:buChar char="-"/>
+            </a:pPr>
+            <a:r>
+              <a:rPr lang="it-IT" sz="3600" dirty="0" err="1">
+                <a:sym typeface="Wingdings" pitchFamily="2" charset="2"/>
+              </a:rPr>
+              <a:t>Validation</a:t>
+            </a:r>
+            <a:r>
+              <a:rPr lang="it-IT" sz="3600" dirty="0">
+                <a:sym typeface="Wingdings" pitchFamily="2" charset="2"/>
+              </a:rPr>
+              <a:t>  2</a:t>
+            </a:r>
+          </a:p>
+          <a:p>
+            <a:pPr marL="285750" indent="-285750">
+              <a:buFontTx/>
+              <a:buChar char="-"/>
+            </a:pPr>
+            <a:r>
+              <a:rPr lang="it-IT" sz="3600" dirty="0">
+                <a:sym typeface="Wingdings" pitchFamily="2" charset="2"/>
+              </a:rPr>
+              <a:t>Test  3</a:t>
+            </a:r>
+          </a:p>
+        </p:txBody>
+      </p:sp>
     </p:spTree>
     <p:extLst>
       <p:ext uri="{BB962C8B-B14F-4D97-AF65-F5344CB8AC3E}">
-        <p14:creationId xmlns:p14="http://schemas.microsoft.com/office/powerpoint/2010/main" val="1710756878"/>
+        <p14:creationId xmlns:p14="http://schemas.microsoft.com/office/powerpoint/2010/main" val="644945933"/>
       </p:ext>
     </p:extLst>
   </p:cSld>
@@ -15403,9 +17423,28 @@
 </file>
 
 <file path=customXml/itemProps1.xml><?xml version="1.0" encoding="utf-8"?>
-<ds:datastoreItem xmlns:ds="http://schemas.openxmlformats.org/officeDocument/2006/customXml" ds:itemID="{92DD7F58-5CEF-4393-953C-B5D5583EAC56}"/>
+<ds:datastoreItem xmlns:ds="http://schemas.openxmlformats.org/officeDocument/2006/customXml" ds:itemID="{92DD7F58-5CEF-4393-953C-B5D5583EAC56}">
+  <ds:schemaRefs>
+    <ds:schemaRef ds:uri="http://schemas.microsoft.com/office/2006/metadata/contentType"/>
+    <ds:schemaRef ds:uri="http://schemas.microsoft.com/office/2006/metadata/properties/metaAttributes"/>
+    <ds:schemaRef ds:uri="http://www.w3.org/2001/XMLSchema"/>
+    <ds:schemaRef ds:uri="http://schemas.microsoft.com/office/2006/metadata/properties"/>
+    <ds:schemaRef ds:uri="dead622a-4210-407e-b5f7-87719965a8f9"/>
+    <ds:schemaRef ds:uri="70dde9c1-59ea-49fe-b723-e9dd12a89eaf"/>
+    <ds:schemaRef ds:uri="http://schemas.microsoft.com/office/2006/documentManagement/types"/>
+    <ds:schemaRef ds:uri="http://schemas.microsoft.com/office/infopath/2007/PartnerControls"/>
+    <ds:schemaRef ds:uri="http://schemas.openxmlformats.org/package/2006/metadata/core-properties"/>
+    <ds:schemaRef ds:uri="http://purl.org/dc/elements/1.1/"/>
+    <ds:schemaRef ds:uri="http://purl.org/dc/terms/"/>
+    <ds:schemaRef ds:uri="http://schemas.microsoft.com/internal/obd"/>
+  </ds:schemaRefs>
+</ds:datastoreItem>
 </file>
 
 <file path=customXml/itemProps2.xml><?xml version="1.0" encoding="utf-8"?>
-<ds:datastoreItem xmlns:ds="http://schemas.openxmlformats.org/officeDocument/2006/customXml" ds:itemID="{E21F5445-B30D-4DC7-A8D6-23D255D93F62}"/>
+<ds:datastoreItem xmlns:ds="http://schemas.openxmlformats.org/officeDocument/2006/customXml" ds:itemID="{E21F5445-B30D-4DC7-A8D6-23D255D93F62}">
+  <ds:schemaRefs>
+    <ds:schemaRef ds:uri="http://schemas.microsoft.com/sharepoint/v3/contenttype/forms"/>
+  </ds:schemaRefs>
+</ds:datastoreItem>
 </file>
--- a/DOCUMENTAZIONE/Presentazione - AudioRecognizer (1).pptx
+++ b/DOCUMENTAZIONE/Presentazione - AudioRecognizer (1).pptx
@@ -16,10 +16,12 @@
     <p:sldId id="271" r:id="rId12"/>
     <p:sldId id="264" r:id="rId13"/>
     <p:sldId id="268" r:id="rId14"/>
-    <p:sldId id="261" r:id="rId15"/>
-    <p:sldId id="263" r:id="rId16"/>
-    <p:sldId id="270" r:id="rId17"/>
-    <p:sldId id="265" r:id="rId18"/>
+    <p:sldId id="273" r:id="rId15"/>
+    <p:sldId id="261" r:id="rId16"/>
+    <p:sldId id="274" r:id="rId17"/>
+    <p:sldId id="263" r:id="rId18"/>
+    <p:sldId id="270" r:id="rId19"/>
+    <p:sldId id="265" r:id="rId20"/>
   </p:sldIdLst>
   <p:sldSz cx="12192000" cy="6858000"/>
   <p:notesSz cx="6858000" cy="9144000"/>
@@ -275,7 +277,7 @@
           <a:p>
             <a:fld id="{C43A76A3-ADC8-4477-8FC1-B9DD55D84908}" type="datetime1">
               <a:rPr lang="en-US" smtClean="0"/>
-              <a:t>7/4/2022</a:t>
+              <a:t>7/4/22</a:t>
             </a:fld>
             <a:endParaRPr lang="en-US" dirty="0"/>
           </a:p>
@@ -473,7 +475,7 @@
           <a:p>
             <a:fld id="{D6762538-DC4D-4667-96E5-B3278DDF8B12}" type="datetime1">
               <a:rPr lang="en-US" smtClean="0"/>
-              <a:t>7/4/2022</a:t>
+              <a:t>7/4/22</a:t>
             </a:fld>
             <a:endParaRPr lang="en-US"/>
           </a:p>
@@ -681,7 +683,7 @@
           <a:p>
             <a:fld id="{05880548-5C08-4BE3-B63E-F2BB63B0B00C}" type="datetime1">
               <a:rPr lang="en-US" smtClean="0"/>
-              <a:t>7/4/2022</a:t>
+              <a:t>7/4/22</a:t>
             </a:fld>
             <a:endParaRPr lang="en-US"/>
           </a:p>
@@ -879,7 +881,7 @@
           <a:p>
             <a:fld id="{DE7F49BE-398D-479A-8A7E-5DDBCA61EDCB}" type="datetime1">
               <a:rPr lang="en-US" smtClean="0"/>
-              <a:t>7/4/2022</a:t>
+              <a:t>7/4/22</a:t>
             </a:fld>
             <a:endParaRPr lang="en-US"/>
           </a:p>
@@ -1155,7 +1157,7 @@
           <a:p>
             <a:fld id="{CCD0C193-4974-4A1F-9C63-07D595E30D66}" type="datetime1">
               <a:rPr lang="en-US" smtClean="0"/>
-              <a:t>7/4/2022</a:t>
+              <a:t>7/4/22</a:t>
             </a:fld>
             <a:endParaRPr lang="en-US"/>
           </a:p>
@@ -1422,7 +1424,7 @@
           <a:p>
             <a:fld id="{701AA87F-28D4-4BF0-B81F-877A89DFD5AC}" type="datetime1">
               <a:rPr lang="en-US" smtClean="0"/>
-              <a:t>7/4/2022</a:t>
+              <a:t>7/4/22</a:t>
             </a:fld>
             <a:endParaRPr lang="en-US"/>
           </a:p>
@@ -1836,7 +1838,7 @@
           <a:p>
             <a:fld id="{A8A9F1F3-208B-49A3-B337-9C8ACEB3E0E1}" type="datetime1">
               <a:rPr lang="en-US" smtClean="0"/>
-              <a:t>7/4/2022</a:t>
+              <a:t>7/4/22</a:t>
             </a:fld>
             <a:endParaRPr lang="en-US"/>
           </a:p>
@@ -1983,7 +1985,7 @@
           <a:p>
             <a:fld id="{27AF6CA6-7293-4AA2-A0E0-A3BF4416E786}" type="datetime1">
               <a:rPr lang="en-US" smtClean="0"/>
-              <a:t>7/4/2022</a:t>
+              <a:t>7/4/22</a:t>
             </a:fld>
             <a:endParaRPr lang="en-US"/>
           </a:p>
@@ -2096,7 +2098,7 @@
           <a:p>
             <a:fld id="{98D87016-7BCD-46FB-8EE3-AB6C369108B4}" type="datetime1">
               <a:rPr lang="en-US" smtClean="0"/>
-              <a:t>7/4/2022</a:t>
+              <a:t>7/4/22</a:t>
             </a:fld>
             <a:endParaRPr lang="en-US"/>
           </a:p>
@@ -2415,7 +2417,7 @@
           <a:p>
             <a:fld id="{A1547011-1FFC-4EF8-9A2E-53B4AD2ADBD4}" type="datetime1">
               <a:rPr lang="en-US" smtClean="0"/>
-              <a:t>7/4/2022</a:t>
+              <a:t>7/4/22</a:t>
             </a:fld>
             <a:endParaRPr lang="en-US"/>
           </a:p>
@@ -2710,7 +2712,7 @@
           <a:p>
             <a:fld id="{9562EB47-45B4-4EF5-A743-B4885DD2F060}" type="datetime1">
               <a:rPr lang="en-US" smtClean="0"/>
-              <a:t>7/4/2022</a:t>
+              <a:t>7/4/22</a:t>
             </a:fld>
             <a:endParaRPr lang="en-US"/>
           </a:p>
@@ -4095,7 +4097,7 @@
           <a:p>
             <a:fld id="{4A8D24A4-5FEC-4062-8995-EB21925B3B40}" type="datetime1">
               <a:rPr lang="en-US" smtClean="0"/>
-              <a:t>7/4/2022</a:t>
+              <a:t>7/4/22</a:t>
             </a:fld>
             <a:endParaRPr lang="en-US" sz="1000" dirty="0"/>
           </a:p>
@@ -6903,6 +6905,624 @@
 <file path=ppt/slides/slide12.xml><?xml version="1.0" encoding="utf-8"?>
 <p:sld xmlns:a="http://schemas.openxmlformats.org/drawingml/2006/main" xmlns:r="http://schemas.openxmlformats.org/officeDocument/2006/relationships" xmlns:p="http://schemas.openxmlformats.org/presentationml/2006/main">
   <p:cSld>
+    <p:spTree>
+      <p:nvGrpSpPr>
+        <p:cNvPr id="1" name=""/>
+        <p:cNvGrpSpPr/>
+        <p:nvPr/>
+      </p:nvGrpSpPr>
+      <p:grpSpPr>
+        <a:xfrm>
+          <a:off x="0" y="0"/>
+          <a:ext cx="0" cy="0"/>
+          <a:chOff x="0" y="0"/>
+          <a:chExt cx="0" cy="0"/>
+        </a:xfrm>
+      </p:grpSpPr>
+      <p:sp>
+        <p:nvSpPr>
+          <p:cNvPr id="2" name="Titolo 1">
+            <a:extLst>
+              <a:ext uri="{FF2B5EF4-FFF2-40B4-BE49-F238E27FC236}">
+                <a16:creationId xmlns:a16="http://schemas.microsoft.com/office/drawing/2014/main" id="{FE4EDAD7-FBA2-4214-D241-CC37FB095588}"/>
+              </a:ext>
+            </a:extLst>
+          </p:cNvPr>
+          <p:cNvSpPr>
+            <a:spLocks noGrp="1"/>
+          </p:cNvSpPr>
+          <p:nvPr>
+            <p:ph type="title"/>
+          </p:nvPr>
+        </p:nvSpPr>
+        <p:spPr/>
+        <p:txBody>
+          <a:bodyPr/>
+          <a:lstStyle/>
+          <a:p>
+            <a:r>
+              <a:rPr lang="it-IT" dirty="0"/>
+              <a:t>Valutazione delle classi</a:t>
+            </a:r>
+          </a:p>
+        </p:txBody>
+      </p:sp>
+      <p:graphicFrame>
+        <p:nvGraphicFramePr>
+          <p:cNvPr id="4" name="Tabella 4">
+            <a:extLst>
+              <a:ext uri="{FF2B5EF4-FFF2-40B4-BE49-F238E27FC236}">
+                <a16:creationId xmlns:a16="http://schemas.microsoft.com/office/drawing/2014/main" id="{C90A006D-A7FF-EC11-720F-64AD95A309A6}"/>
+              </a:ext>
+            </a:extLst>
+          </p:cNvPr>
+          <p:cNvGraphicFramePr>
+            <a:graphicFrameLocks noGrp="1"/>
+          </p:cNvGraphicFramePr>
+          <p:nvPr>
+            <p:ph idx="1"/>
+            <p:extLst>
+              <p:ext uri="{D42A27DB-BD31-4B8C-83A1-F6EECF244321}">
+                <p14:modId xmlns:p14="http://schemas.microsoft.com/office/powerpoint/2010/main" val="1225612645"/>
+              </p:ext>
+            </p:extLst>
+          </p:nvPr>
+        </p:nvGraphicFramePr>
+        <p:xfrm>
+          <a:off x="777875" y="1825625"/>
+          <a:ext cx="10658475" cy="3708400"/>
+        </p:xfrm>
+        <a:graphic>
+          <a:graphicData uri="http://schemas.openxmlformats.org/drawingml/2006/table">
+            <a:tbl>
+              <a:tblPr firstRow="1" bandRow="1">
+                <a:tableStyleId>{00A15C55-8517-42AA-B614-E9B94910E393}</a:tableStyleId>
+              </a:tblPr>
+              <a:tblGrid>
+                <a:gridCol w="3552825">
+                  <a:extLst>
+                    <a:ext uri="{9D8B030D-6E8A-4147-A177-3AD203B41FA5}">
+                      <a16:colId xmlns:a16="http://schemas.microsoft.com/office/drawing/2014/main" val="3586421911"/>
+                    </a:ext>
+                  </a:extLst>
+                </a:gridCol>
+                <a:gridCol w="3552825">
+                  <a:extLst>
+                    <a:ext uri="{9D8B030D-6E8A-4147-A177-3AD203B41FA5}">
+                      <a16:colId xmlns:a16="http://schemas.microsoft.com/office/drawing/2014/main" val="2115306421"/>
+                    </a:ext>
+                  </a:extLst>
+                </a:gridCol>
+                <a:gridCol w="3552825">
+                  <a:extLst>
+                    <a:ext uri="{9D8B030D-6E8A-4147-A177-3AD203B41FA5}">
+                      <a16:colId xmlns:a16="http://schemas.microsoft.com/office/drawing/2014/main" val="4237867129"/>
+                    </a:ext>
+                  </a:extLst>
+                </a:gridCol>
+              </a:tblGrid>
+              <a:tr h="370840">
+                <a:tc>
+                  <a:txBody>
+                    <a:bodyPr/>
+                    <a:lstStyle/>
+                    <a:p>
+                      <a:pPr algn="ctr"/>
+                      <a:r>
+                        <a:rPr lang="it-IT" dirty="0"/>
+                        <a:t>CLASSI</a:t>
+                      </a:r>
+                    </a:p>
+                  </a:txBody>
+                  <a:tcPr/>
+                </a:tc>
+                <a:tc>
+                  <a:txBody>
+                    <a:bodyPr/>
+                    <a:lstStyle/>
+                    <a:p>
+                      <a:pPr algn="ctr"/>
+                      <a:r>
+                        <a:rPr lang="it-IT" dirty="0"/>
+                        <a:t>ACCURATEZZA</a:t>
+                      </a:r>
+                    </a:p>
+                  </a:txBody>
+                  <a:tcPr/>
+                </a:tc>
+                <a:tc>
+                  <a:txBody>
+                    <a:bodyPr/>
+                    <a:lstStyle/>
+                    <a:p>
+                      <a:pPr algn="ctr"/>
+                      <a:r>
+                        <a:rPr lang="it-IT" dirty="0"/>
+                        <a:t>VAL_LOSS</a:t>
+                      </a:r>
+                    </a:p>
+                  </a:txBody>
+                  <a:tcPr/>
+                </a:tc>
+                <a:extLst>
+                  <a:ext uri="{0D108BD9-81ED-4DB2-BD59-A6C34878D82A}">
+                    <a16:rowId xmlns:a16="http://schemas.microsoft.com/office/drawing/2014/main" val="126769972"/>
+                  </a:ext>
+                </a:extLst>
+              </a:tr>
+              <a:tr h="370840">
+                <a:tc>
+                  <a:txBody>
+                    <a:bodyPr/>
+                    <a:lstStyle/>
+                    <a:p>
+                      <a:pPr algn="ctr"/>
+                      <a:r>
+                        <a:rPr lang="it-IT" b="1" i="1" dirty="0"/>
+                        <a:t>DOLORE</a:t>
+                      </a:r>
+                    </a:p>
+                  </a:txBody>
+                  <a:tcPr/>
+                </a:tc>
+                <a:tc>
+                  <a:txBody>
+                    <a:bodyPr/>
+                    <a:lstStyle/>
+                    <a:p>
+                      <a:pPr algn="ctr"/>
+                      <a:r>
+                        <a:rPr lang="it-IT" dirty="0"/>
+                        <a:t>0,67</a:t>
+                      </a:r>
+                    </a:p>
+                  </a:txBody>
+                  <a:tcPr/>
+                </a:tc>
+                <a:tc>
+                  <a:txBody>
+                    <a:bodyPr/>
+                    <a:lstStyle/>
+                    <a:p>
+                      <a:pPr algn="ctr"/>
+                      <a:r>
+                        <a:rPr lang="it-IT" dirty="0"/>
+                        <a:t>1,81</a:t>
+                      </a:r>
+                    </a:p>
+                  </a:txBody>
+                  <a:tcPr/>
+                </a:tc>
+                <a:extLst>
+                  <a:ext uri="{0D108BD9-81ED-4DB2-BD59-A6C34878D82A}">
+                    <a16:rowId xmlns:a16="http://schemas.microsoft.com/office/drawing/2014/main" val="3101133300"/>
+                  </a:ext>
+                </a:extLst>
+              </a:tr>
+              <a:tr h="370840">
+                <a:tc>
+                  <a:txBody>
+                    <a:bodyPr/>
+                    <a:lstStyle/>
+                    <a:p>
+                      <a:pPr algn="ctr"/>
+                      <a:r>
+                        <a:rPr lang="it-IT" b="1" i="1" dirty="0"/>
+                        <a:t>PIANTO_BAMBINO</a:t>
+                      </a:r>
+                    </a:p>
+                  </a:txBody>
+                  <a:tcPr/>
+                </a:tc>
+                <a:tc>
+                  <a:txBody>
+                    <a:bodyPr/>
+                    <a:lstStyle/>
+                    <a:p>
+                      <a:pPr algn="ctr"/>
+                      <a:r>
+                        <a:rPr lang="it-IT" dirty="0"/>
+                        <a:t>0,67</a:t>
+                      </a:r>
+                    </a:p>
+                  </a:txBody>
+                  <a:tcPr/>
+                </a:tc>
+                <a:tc>
+                  <a:txBody>
+                    <a:bodyPr/>
+                    <a:lstStyle/>
+                    <a:p>
+                      <a:pPr algn="ctr"/>
+                      <a:r>
+                        <a:rPr lang="it-IT" dirty="0"/>
+                        <a:t>1,83</a:t>
+                      </a:r>
+                    </a:p>
+                  </a:txBody>
+                  <a:tcPr/>
+                </a:tc>
+                <a:extLst>
+                  <a:ext uri="{0D108BD9-81ED-4DB2-BD59-A6C34878D82A}">
+                    <a16:rowId xmlns:a16="http://schemas.microsoft.com/office/drawing/2014/main" val="3718691206"/>
+                  </a:ext>
+                </a:extLst>
+              </a:tr>
+              <a:tr h="370840">
+                <a:tc>
+                  <a:txBody>
+                    <a:bodyPr/>
+                    <a:lstStyle/>
+                    <a:p>
+                      <a:pPr algn="ctr"/>
+                      <a:r>
+                        <a:rPr lang="it-IT" b="1" i="1" dirty="0"/>
+                        <a:t>RESPIRO</a:t>
+                      </a:r>
+                    </a:p>
+                  </a:txBody>
+                  <a:tcPr/>
+                </a:tc>
+                <a:tc>
+                  <a:txBody>
+                    <a:bodyPr/>
+                    <a:lstStyle/>
+                    <a:p>
+                      <a:pPr algn="ctr"/>
+                      <a:r>
+                        <a:rPr lang="it-IT" sz="1800" b="0" kern="1200" dirty="0">
+                          <a:solidFill>
+                            <a:schemeClr val="dk1"/>
+                          </a:solidFill>
+                          <a:effectLst/>
+                        </a:rPr>
+                        <a:t>0,68</a:t>
+                      </a:r>
+                      <a:endParaRPr lang="it-IT" dirty="0"/>
+                    </a:p>
+                  </a:txBody>
+                  <a:tcPr/>
+                </a:tc>
+                <a:tc>
+                  <a:txBody>
+                    <a:bodyPr/>
+                    <a:lstStyle/>
+                    <a:p>
+                      <a:pPr algn="ctr"/>
+                      <a:r>
+                        <a:rPr lang="it-IT" sz="1800" b="0" kern="1200" dirty="0">
+                          <a:solidFill>
+                            <a:schemeClr val="dk1"/>
+                          </a:solidFill>
+                          <a:effectLst/>
+                        </a:rPr>
+                        <a:t>1,78</a:t>
+                      </a:r>
+                      <a:endParaRPr lang="it-IT" dirty="0"/>
+                    </a:p>
+                  </a:txBody>
+                  <a:tcPr/>
+                </a:tc>
+                <a:extLst>
+                  <a:ext uri="{0D108BD9-81ED-4DB2-BD59-A6C34878D82A}">
+                    <a16:rowId xmlns:a16="http://schemas.microsoft.com/office/drawing/2014/main" val="1144505296"/>
+                  </a:ext>
+                </a:extLst>
+              </a:tr>
+              <a:tr h="370840">
+                <a:tc>
+                  <a:txBody>
+                    <a:bodyPr/>
+                    <a:lstStyle/>
+                    <a:p>
+                      <a:pPr algn="ctr"/>
+                      <a:r>
+                        <a:rPr lang="it-IT" b="1" i="1" dirty="0"/>
+                        <a:t>RISATA</a:t>
+                      </a:r>
+                    </a:p>
+                  </a:txBody>
+                  <a:tcPr/>
+                </a:tc>
+                <a:tc>
+                  <a:txBody>
+                    <a:bodyPr/>
+                    <a:lstStyle/>
+                    <a:p>
+                      <a:pPr algn="ctr"/>
+                      <a:r>
+                        <a:rPr lang="it-IT" dirty="0"/>
+                        <a:t>0,68</a:t>
+                      </a:r>
+                    </a:p>
+                  </a:txBody>
+                  <a:tcPr/>
+                </a:tc>
+                <a:tc>
+                  <a:txBody>
+                    <a:bodyPr/>
+                    <a:lstStyle/>
+                    <a:p>
+                      <a:pPr algn="ctr"/>
+                      <a:r>
+                        <a:rPr lang="it-IT" dirty="0"/>
+                        <a:t>1,76</a:t>
+                      </a:r>
+                    </a:p>
+                  </a:txBody>
+                  <a:tcPr/>
+                </a:tc>
+                <a:extLst>
+                  <a:ext uri="{0D108BD9-81ED-4DB2-BD59-A6C34878D82A}">
+                    <a16:rowId xmlns:a16="http://schemas.microsoft.com/office/drawing/2014/main" val="1036941221"/>
+                  </a:ext>
+                </a:extLst>
+              </a:tr>
+              <a:tr h="370840">
+                <a:tc>
+                  <a:txBody>
+                    <a:bodyPr/>
+                    <a:lstStyle/>
+                    <a:p>
+                      <a:pPr algn="ctr"/>
+                      <a:r>
+                        <a:rPr lang="it-IT" b="1" i="1" dirty="0"/>
+                        <a:t>RUSSARE</a:t>
+                      </a:r>
+                    </a:p>
+                  </a:txBody>
+                  <a:tcPr/>
+                </a:tc>
+                <a:tc>
+                  <a:txBody>
+                    <a:bodyPr/>
+                    <a:lstStyle/>
+                    <a:p>
+                      <a:pPr algn="ctr"/>
+                      <a:r>
+                        <a:rPr lang="it-IT" dirty="0"/>
+                        <a:t>0,65</a:t>
+                      </a:r>
+                    </a:p>
+                  </a:txBody>
+                  <a:tcPr/>
+                </a:tc>
+                <a:tc>
+                  <a:txBody>
+                    <a:bodyPr/>
+                    <a:lstStyle/>
+                    <a:p>
+                      <a:pPr algn="ctr"/>
+                      <a:r>
+                        <a:rPr lang="it-IT" dirty="0"/>
+                        <a:t>1,75</a:t>
+                      </a:r>
+                    </a:p>
+                  </a:txBody>
+                  <a:tcPr/>
+                </a:tc>
+                <a:extLst>
+                  <a:ext uri="{0D108BD9-81ED-4DB2-BD59-A6C34878D82A}">
+                    <a16:rowId xmlns:a16="http://schemas.microsoft.com/office/drawing/2014/main" val="917083930"/>
+                  </a:ext>
+                </a:extLst>
+              </a:tr>
+              <a:tr h="370840">
+                <a:tc>
+                  <a:txBody>
+                    <a:bodyPr/>
+                    <a:lstStyle/>
+                    <a:p>
+                      <a:pPr algn="ctr"/>
+                      <a:r>
+                        <a:rPr lang="it-IT" b="1" i="1" dirty="0"/>
+                        <a:t>SBADIGLIO</a:t>
+                      </a:r>
+                    </a:p>
+                  </a:txBody>
+                  <a:tcPr/>
+                </a:tc>
+                <a:tc>
+                  <a:txBody>
+                    <a:bodyPr/>
+                    <a:lstStyle/>
+                    <a:p>
+                      <a:pPr algn="ctr"/>
+                      <a:r>
+                        <a:rPr lang="it-IT" dirty="0"/>
+                        <a:t>0,66</a:t>
+                      </a:r>
+                    </a:p>
+                  </a:txBody>
+                  <a:tcPr/>
+                </a:tc>
+                <a:tc>
+                  <a:txBody>
+                    <a:bodyPr/>
+                    <a:lstStyle/>
+                    <a:p>
+                      <a:pPr algn="ctr"/>
+                      <a:r>
+                        <a:rPr lang="it-IT" dirty="0"/>
+                        <a:t>1,78</a:t>
+                      </a:r>
+                    </a:p>
+                  </a:txBody>
+                  <a:tcPr/>
+                </a:tc>
+                <a:extLst>
+                  <a:ext uri="{0D108BD9-81ED-4DB2-BD59-A6C34878D82A}">
+                    <a16:rowId xmlns:a16="http://schemas.microsoft.com/office/drawing/2014/main" val="1079729814"/>
+                  </a:ext>
+                </a:extLst>
+              </a:tr>
+              <a:tr h="370840">
+                <a:tc>
+                  <a:txBody>
+                    <a:bodyPr/>
+                    <a:lstStyle/>
+                    <a:p>
+                      <a:pPr algn="ctr"/>
+                      <a:r>
+                        <a:rPr lang="it-IT" b="1" i="1" dirty="0"/>
+                        <a:t>STARNUTO</a:t>
+                      </a:r>
+                    </a:p>
+                  </a:txBody>
+                  <a:tcPr/>
+                </a:tc>
+                <a:tc>
+                  <a:txBody>
+                    <a:bodyPr/>
+                    <a:lstStyle/>
+                    <a:p>
+                      <a:pPr algn="ctr"/>
+                      <a:r>
+                        <a:rPr lang="it-IT" dirty="0"/>
+                        <a:t>0,68</a:t>
+                      </a:r>
+                    </a:p>
+                  </a:txBody>
+                  <a:tcPr/>
+                </a:tc>
+                <a:tc>
+                  <a:txBody>
+                    <a:bodyPr/>
+                    <a:lstStyle/>
+                    <a:p>
+                      <a:pPr algn="ctr"/>
+                      <a:r>
+                        <a:rPr lang="it-IT" dirty="0"/>
+                        <a:t>1,84</a:t>
+                      </a:r>
+                    </a:p>
+                  </a:txBody>
+                  <a:tcPr/>
+                </a:tc>
+                <a:extLst>
+                  <a:ext uri="{0D108BD9-81ED-4DB2-BD59-A6C34878D82A}">
+                    <a16:rowId xmlns:a16="http://schemas.microsoft.com/office/drawing/2014/main" val="3462347078"/>
+                  </a:ext>
+                </a:extLst>
+              </a:tr>
+              <a:tr h="370840">
+                <a:tc>
+                  <a:txBody>
+                    <a:bodyPr/>
+                    <a:lstStyle/>
+                    <a:p>
+                      <a:pPr algn="ctr"/>
+                      <a:r>
+                        <a:rPr lang="it-IT" b="1" i="1" dirty="0"/>
+                        <a:t>TOSSE</a:t>
+                      </a:r>
+                    </a:p>
+                  </a:txBody>
+                  <a:tcPr/>
+                </a:tc>
+                <a:tc>
+                  <a:txBody>
+                    <a:bodyPr/>
+                    <a:lstStyle/>
+                    <a:p>
+                      <a:pPr algn="ctr"/>
+                      <a:r>
+                        <a:rPr lang="it-IT" dirty="0"/>
+                        <a:t>0,66</a:t>
+                      </a:r>
+                    </a:p>
+                  </a:txBody>
+                  <a:tcPr/>
+                </a:tc>
+                <a:tc>
+                  <a:txBody>
+                    <a:bodyPr/>
+                    <a:lstStyle/>
+                    <a:p>
+                      <a:pPr algn="ctr"/>
+                      <a:r>
+                        <a:rPr lang="it-IT" dirty="0"/>
+                        <a:t>1,80</a:t>
+                      </a:r>
+                    </a:p>
+                  </a:txBody>
+                  <a:tcPr/>
+                </a:tc>
+                <a:extLst>
+                  <a:ext uri="{0D108BD9-81ED-4DB2-BD59-A6C34878D82A}">
+                    <a16:rowId xmlns:a16="http://schemas.microsoft.com/office/drawing/2014/main" val="3025077556"/>
+                  </a:ext>
+                </a:extLst>
+              </a:tr>
+              <a:tr h="370840">
+                <a:tc>
+                  <a:txBody>
+                    <a:bodyPr/>
+                    <a:lstStyle/>
+                    <a:p>
+                      <a:pPr algn="ctr"/>
+                      <a:r>
+                        <a:rPr lang="it-IT" b="1" i="1" dirty="0"/>
+                        <a:t>URLA</a:t>
+                      </a:r>
+                    </a:p>
+                  </a:txBody>
+                  <a:tcPr/>
+                </a:tc>
+                <a:tc>
+                  <a:txBody>
+                    <a:bodyPr/>
+                    <a:lstStyle/>
+                    <a:p>
+                      <a:pPr algn="ctr"/>
+                      <a:r>
+                        <a:rPr lang="it-IT" dirty="0"/>
+                        <a:t>0,66</a:t>
+                      </a:r>
+                    </a:p>
+                  </a:txBody>
+                  <a:tcPr/>
+                </a:tc>
+                <a:tc>
+                  <a:txBody>
+                    <a:bodyPr/>
+                    <a:lstStyle/>
+                    <a:p>
+                      <a:pPr algn="ctr"/>
+                      <a:r>
+                        <a:rPr lang="it-IT" dirty="0"/>
+                        <a:t>1,80</a:t>
+                      </a:r>
+                    </a:p>
+                  </a:txBody>
+                  <a:tcPr/>
+                </a:tc>
+                <a:extLst>
+                  <a:ext uri="{0D108BD9-81ED-4DB2-BD59-A6C34878D82A}">
+                    <a16:rowId xmlns:a16="http://schemas.microsoft.com/office/drawing/2014/main" val="1656871563"/>
+                  </a:ext>
+                </a:extLst>
+              </a:tr>
+            </a:tbl>
+          </a:graphicData>
+        </a:graphic>
+      </p:graphicFrame>
+    </p:spTree>
+    <p:extLst>
+      <p:ext uri="{BB962C8B-B14F-4D97-AF65-F5344CB8AC3E}">
+        <p14:creationId xmlns:p14="http://schemas.microsoft.com/office/powerpoint/2010/main" val="2504907950"/>
+      </p:ext>
+    </p:extLst>
+  </p:cSld>
+  <p:clrMapOvr>
+    <a:masterClrMapping/>
+  </p:clrMapOvr>
+</p:sld>
+</file>
+
+<file path=ppt/slides/slide13.xml><?xml version="1.0" encoding="utf-8"?>
+<p:sld xmlns:a="http://schemas.openxmlformats.org/drawingml/2006/main" xmlns:r="http://schemas.openxmlformats.org/officeDocument/2006/relationships" xmlns:p="http://schemas.openxmlformats.org/presentationml/2006/main">
+  <p:cSld>
     <p:bg>
       <p:bgPr>
         <a:solidFill>
@@ -7564,12 +8184,278 @@
           </a:custGeom>
         </p:spPr>
       </p:pic>
+    </p:spTree>
+    <p:extLst>
+      <p:ext uri="{BB962C8B-B14F-4D97-AF65-F5344CB8AC3E}">
+        <p14:creationId xmlns:p14="http://schemas.microsoft.com/office/powerpoint/2010/main" val="1208962125"/>
+      </p:ext>
+    </p:extLst>
+  </p:cSld>
+  <p:clrMapOvr>
+    <a:masterClrMapping/>
+  </p:clrMapOvr>
+</p:sld>
+</file>
+
+<file path=ppt/slides/slide14.xml><?xml version="1.0" encoding="utf-8"?>
+<p:sld xmlns:a="http://schemas.openxmlformats.org/drawingml/2006/main" xmlns:r="http://schemas.openxmlformats.org/officeDocument/2006/relationships" xmlns:p="http://schemas.openxmlformats.org/presentationml/2006/main">
+  <p:cSld>
+    <p:spTree>
+      <p:nvGrpSpPr>
+        <p:cNvPr id="1" name=""/>
+        <p:cNvGrpSpPr/>
+        <p:nvPr/>
+      </p:nvGrpSpPr>
+      <p:grpSpPr>
+        <a:xfrm>
+          <a:off x="0" y="0"/>
+          <a:ext cx="0" cy="0"/>
+          <a:chOff x="0" y="0"/>
+          <a:chExt cx="0" cy="0"/>
+        </a:xfrm>
+      </p:grpSpPr>
+      <p:sp>
+        <p:nvSpPr>
+          <p:cNvPr id="2" name="Titolo 1">
+            <a:extLst>
+              <a:ext uri="{FF2B5EF4-FFF2-40B4-BE49-F238E27FC236}">
+                <a16:creationId xmlns:a16="http://schemas.microsoft.com/office/drawing/2014/main" id="{95DDFCCF-C589-A0E2-00F3-6FDA0417088C}"/>
+              </a:ext>
+            </a:extLst>
+          </p:cNvPr>
+          <p:cNvSpPr>
+            <a:spLocks noGrp="1"/>
+          </p:cNvSpPr>
+          <p:nvPr>
+            <p:ph type="title"/>
+          </p:nvPr>
+        </p:nvSpPr>
+        <p:spPr>
+          <a:xfrm>
+            <a:off x="766445" y="336430"/>
+            <a:ext cx="10659110" cy="1034665"/>
+          </a:xfrm>
+        </p:spPr>
+        <p:txBody>
+          <a:bodyPr/>
+          <a:lstStyle/>
+          <a:p>
+            <a:r>
+              <a:rPr lang="it-IT" dirty="0"/>
+              <a:t>ESEMPIO CASO D’USO</a:t>
+            </a:r>
+          </a:p>
+        </p:txBody>
+      </p:sp>
+      <p:sp>
+        <p:nvSpPr>
+          <p:cNvPr id="3" name="Segnaposto contenuto 2">
+            <a:extLst>
+              <a:ext uri="{FF2B5EF4-FFF2-40B4-BE49-F238E27FC236}">
+                <a16:creationId xmlns:a16="http://schemas.microsoft.com/office/drawing/2014/main" id="{2264CCBF-601D-E78B-5929-9CFBCECF98B2}"/>
+              </a:ext>
+            </a:extLst>
+          </p:cNvPr>
+          <p:cNvSpPr>
+            <a:spLocks noGrp="1"/>
+          </p:cNvSpPr>
+          <p:nvPr>
+            <p:ph idx="1"/>
+          </p:nvPr>
+        </p:nvSpPr>
+        <p:spPr>
+          <a:xfrm>
+            <a:off x="766445" y="1528445"/>
+            <a:ext cx="10659110" cy="4351338"/>
+          </a:xfrm>
+        </p:spPr>
+        <p:txBody>
+          <a:bodyPr/>
+          <a:lstStyle/>
+          <a:p>
+            <a:pPr marL="0" indent="0">
+              <a:buNone/>
+            </a:pPr>
+            <a:r>
+              <a:rPr lang="it-IT" dirty="0"/>
+              <a:t>Inserendo un audio all’interno del programma è possibile verificare la categoria del suono. </a:t>
+            </a:r>
+          </a:p>
+          <a:p>
+            <a:pPr marL="0" indent="0">
+              <a:buNone/>
+            </a:pPr>
+            <a:r>
+              <a:rPr lang="it-IT" b="1" dirty="0"/>
+              <a:t>Audio inserito : </a:t>
+            </a:r>
+          </a:p>
+        </p:txBody>
+      </p:sp>
       <p:pic>
         <p:nvPicPr>
-          <p:cNvPr id="5" name="Immagine 4">
+          <p:cNvPr id="5" name="S07_pain_strong_05.wav" descr="S07_pain_strong_05.wav">
+            <a:hlinkClick r:id="" action="ppaction://media"/>
             <a:extLst>
               <a:ext uri="{FF2B5EF4-FFF2-40B4-BE49-F238E27FC236}">
-                <a16:creationId xmlns:a16="http://schemas.microsoft.com/office/drawing/2014/main" id="{6EDDEEED-010B-8FB8-40CD-1CF5D028FE03}"/>
+                <a16:creationId xmlns:a16="http://schemas.microsoft.com/office/drawing/2014/main" id="{D85BEE5B-BD2E-BDBB-C381-C7E4DE4DCB43}"/>
+              </a:ext>
+            </a:extLst>
+          </p:cNvPr>
+          <p:cNvPicPr>
+            <a:picLocks noChangeAspect="1"/>
+          </p:cNvPicPr>
+          <p:nvPr>
+            <a:audioFile r:link="rId2"/>
+            <p:extLst>
+              <p:ext uri="{DAA4B4D4-6D71-4841-9C94-3DE7FCFB9230}">
+                <p14:media xmlns:p14="http://schemas.microsoft.com/office/powerpoint/2010/main" r:embed="rId1"/>
+              </p:ext>
+            </p:extLst>
+          </p:nvPr>
+        </p:nvPicPr>
+        <p:blipFill>
+          <a:blip r:embed="rId4"/>
+          <a:stretch>
+            <a:fillRect/>
+          </a:stretch>
+        </p:blipFill>
+        <p:spPr>
+          <a:xfrm>
+            <a:off x="2626995" y="1866563"/>
+            <a:ext cx="596900" cy="596900"/>
+          </a:xfrm>
+          <a:prstGeom prst="roundRect">
+            <a:avLst>
+              <a:gd name="adj" fmla="val 16667"/>
+            </a:avLst>
+          </a:prstGeom>
+          <a:ln>
+            <a:noFill/>
+          </a:ln>
+          <a:effectLst>
+            <a:outerShdw blurRad="76200" dist="38100" dir="7800000" algn="tl" rotWithShape="0">
+              <a:srgbClr val="000000">
+                <a:alpha val="40000"/>
+              </a:srgbClr>
+            </a:outerShdw>
+          </a:effectLst>
+          <a:scene3d>
+            <a:camera prst="orthographicFront"/>
+            <a:lightRig rig="contrasting" dir="t">
+              <a:rot lat="0" lon="0" rev="4200000"/>
+            </a:lightRig>
+          </a:scene3d>
+          <a:sp3d prstMaterial="plastic">
+            <a:bevelT w="381000" h="114300" prst="relaxedInset"/>
+            <a:contourClr>
+              <a:srgbClr val="969696"/>
+            </a:contourClr>
+          </a:sp3d>
+        </p:spPr>
+      </p:pic>
+      <p:sp>
+        <p:nvSpPr>
+          <p:cNvPr id="6" name="CasellaDiTesto 5">
+            <a:extLst>
+              <a:ext uri="{FF2B5EF4-FFF2-40B4-BE49-F238E27FC236}">
+                <a16:creationId xmlns:a16="http://schemas.microsoft.com/office/drawing/2014/main" id="{42CF1D14-0C4E-1A05-D73D-376C419CE078}"/>
+              </a:ext>
+            </a:extLst>
+          </p:cNvPr>
+          <p:cNvSpPr txBox="1"/>
+          <p:nvPr/>
+        </p:nvSpPr>
+        <p:spPr>
+          <a:xfrm>
+            <a:off x="766445" y="2872610"/>
+            <a:ext cx="9663223" cy="3416320"/>
+          </a:xfrm>
+          <a:prstGeom prst="rect">
+            <a:avLst/>
+          </a:prstGeom>
+          <a:noFill/>
+        </p:spPr>
+        <p:txBody>
+          <a:bodyPr wrap="none" rtlCol="0">
+            <a:spAutoFit/>
+          </a:bodyPr>
+          <a:lstStyle/>
+          <a:p>
+            <a:r>
+              <a:rPr lang="it-IT" dirty="0"/>
+              <a:t>Successivamente dopo aver inserito l’audio in input esso viene campionato a 16khz con canale mono </a:t>
+            </a:r>
+          </a:p>
+          <a:p>
+            <a:r>
+              <a:rPr lang="it-IT" dirty="0"/>
+              <a:t>ed un intervallo [-1.0,1.0].</a:t>
+            </a:r>
+          </a:p>
+          <a:p>
+            <a:endParaRPr lang="it-IT" dirty="0"/>
+          </a:p>
+          <a:p>
+            <a:r>
+              <a:rPr lang="it-IT" dirty="0" err="1"/>
+              <a:t>AudioRecognizer</a:t>
+            </a:r>
+            <a:r>
+              <a:rPr lang="it-IT" dirty="0"/>
+              <a:t> analizzerà il file inserito e lo confronterà con i valori con il quale è stato allenato </a:t>
+            </a:r>
+          </a:p>
+          <a:p>
+            <a:r>
+              <a:rPr lang="it-IT" dirty="0"/>
+              <a:t>all’interno del dataset e restituirà i valori: </a:t>
+            </a:r>
+            <a:r>
+              <a:rPr lang="it-IT" b="1" dirty="0"/>
+              <a:t>Accuratezza e </a:t>
+            </a:r>
+            <a:r>
+              <a:rPr lang="it-IT" b="1" dirty="0" err="1"/>
+              <a:t>Val_loss</a:t>
+            </a:r>
+            <a:endParaRPr lang="it-IT" b="1" dirty="0"/>
+          </a:p>
+          <a:p>
+            <a:endParaRPr lang="it-IT" b="1" dirty="0"/>
+          </a:p>
+          <a:p>
+            <a:r>
+              <a:rPr lang="it-IT" b="1" dirty="0"/>
+              <a:t>					</a:t>
+            </a:r>
+          </a:p>
+          <a:p>
+            <a:endParaRPr lang="it-IT" b="1" dirty="0"/>
+          </a:p>
+          <a:p>
+            <a:endParaRPr lang="it-IT" b="1" dirty="0"/>
+          </a:p>
+          <a:p>
+            <a:endParaRPr lang="it-IT" b="1" dirty="0"/>
+          </a:p>
+          <a:p>
+            <a:r>
+              <a:rPr lang="it-IT" dirty="0"/>
+              <a:t>E restituirà anche il nome della categoria predetta</a:t>
+            </a:r>
+          </a:p>
+          <a:p>
+            <a:endParaRPr lang="it-IT" dirty="0"/>
+          </a:p>
+        </p:txBody>
+      </p:sp>
+      <p:pic>
+        <p:nvPicPr>
+          <p:cNvPr id="8" name="Immagine 7" descr="Immagine che contiene testo&#10;&#10;Descrizione generata automaticamente">
+            <a:extLst>
+              <a:ext uri="{FF2B5EF4-FFF2-40B4-BE49-F238E27FC236}">
+                <a16:creationId xmlns:a16="http://schemas.microsoft.com/office/drawing/2014/main" id="{B6CE3172-6D78-4FFE-93E2-CD9D63349DD7}"/>
               </a:ext>
             </a:extLst>
           </p:cNvPr>
@@ -7579,15 +8465,21 @@
           <p:nvPr/>
         </p:nvPicPr>
         <p:blipFill>
-          <a:blip r:embed="rId3"/>
+          <a:blip r:embed="rId5">
+            <a:extLst>
+              <a:ext uri="{28A0092B-C50C-407E-A947-70E740481C1C}">
+                <a14:useLocalDpi xmlns:a14="http://schemas.microsoft.com/office/drawing/2010/main" val="0"/>
+              </a:ext>
+            </a:extLst>
+          </a:blip>
           <a:stretch>
             <a:fillRect/>
           </a:stretch>
         </p:blipFill>
         <p:spPr>
           <a:xfrm>
-            <a:off x="4929187" y="5012119"/>
-            <a:ext cx="3776277" cy="1132883"/>
+            <a:off x="876935" y="4401870"/>
+            <a:ext cx="4326890" cy="927685"/>
           </a:xfrm>
           <a:prstGeom prst="rect">
             <a:avLst/>
@@ -7608,20 +8500,194 @@
           </a:effectLst>
         </p:spPr>
       </p:pic>
+      <p:pic>
+        <p:nvPicPr>
+          <p:cNvPr id="10" name="Immagine 9">
+            <a:extLst>
+              <a:ext uri="{FF2B5EF4-FFF2-40B4-BE49-F238E27FC236}">
+                <a16:creationId xmlns:a16="http://schemas.microsoft.com/office/drawing/2014/main" id="{5418FC37-4D6A-BFEA-A73D-AC4EF8224559}"/>
+              </a:ext>
+            </a:extLst>
+          </p:cNvPr>
+          <p:cNvPicPr>
+            <a:picLocks noChangeAspect="1"/>
+          </p:cNvPicPr>
+          <p:nvPr/>
+        </p:nvPicPr>
+        <p:blipFill>
+          <a:blip r:embed="rId6">
+            <a:extLst>
+              <a:ext uri="{28A0092B-C50C-407E-A947-70E740481C1C}">
+                <a14:useLocalDpi xmlns:a14="http://schemas.microsoft.com/office/drawing/2010/main" val="0"/>
+              </a:ext>
+            </a:extLst>
+          </a:blip>
+          <a:stretch>
+            <a:fillRect/>
+          </a:stretch>
+        </p:blipFill>
+        <p:spPr>
+          <a:xfrm>
+            <a:off x="6179469" y="5243720"/>
+            <a:ext cx="5744030" cy="1045210"/>
+          </a:xfrm>
+          <a:prstGeom prst="rect">
+            <a:avLst/>
+          </a:prstGeom>
+          <a:ln>
+            <a:noFill/>
+          </a:ln>
+          <a:effectLst>
+            <a:outerShdw blurRad="292100" dist="139700" dir="2700000" algn="tl" rotWithShape="0">
+              <a:srgbClr val="333333">
+                <a:alpha val="65000"/>
+              </a:srgbClr>
+            </a:outerShdw>
+          </a:effectLst>
+        </p:spPr>
+      </p:pic>
+      <p:sp>
+        <p:nvSpPr>
+          <p:cNvPr id="11" name="Freccia destra 10">
+            <a:extLst>
+              <a:ext uri="{FF2B5EF4-FFF2-40B4-BE49-F238E27FC236}">
+                <a16:creationId xmlns:a16="http://schemas.microsoft.com/office/drawing/2014/main" id="{840787C2-AC6B-698C-9EF1-040B317AE4BF}"/>
+              </a:ext>
+            </a:extLst>
+          </p:cNvPr>
+          <p:cNvSpPr/>
+          <p:nvPr/>
+        </p:nvSpPr>
+        <p:spPr>
+          <a:xfrm>
+            <a:off x="5598056" y="5661660"/>
+            <a:ext cx="497944" cy="320040"/>
+          </a:xfrm>
+          <a:prstGeom prst="rightArrow">
+            <a:avLst/>
+          </a:prstGeom>
+        </p:spPr>
+        <p:style>
+          <a:lnRef idx="3">
+            <a:schemeClr val="lt1"/>
+          </a:lnRef>
+          <a:fillRef idx="1">
+            <a:schemeClr val="accent4"/>
+          </a:fillRef>
+          <a:effectRef idx="1">
+            <a:schemeClr val="accent4"/>
+          </a:effectRef>
+          <a:fontRef idx="minor">
+            <a:schemeClr val="lt1"/>
+          </a:fontRef>
+        </p:style>
+        <p:txBody>
+          <a:bodyPr rtlCol="0" anchor="ctr"/>
+          <a:lstStyle/>
+          <a:p>
+            <a:pPr algn="ctr"/>
+            <a:endParaRPr lang="it-IT"/>
+          </a:p>
+        </p:txBody>
+      </p:sp>
     </p:spTree>
     <p:extLst>
       <p:ext uri="{BB962C8B-B14F-4D97-AF65-F5344CB8AC3E}">
-        <p14:creationId xmlns:p14="http://schemas.microsoft.com/office/powerpoint/2010/main" val="1208962125"/>
+        <p14:creationId xmlns:p14="http://schemas.microsoft.com/office/powerpoint/2010/main" val="1975514244"/>
       </p:ext>
     </p:extLst>
   </p:cSld>
   <p:clrMapOvr>
     <a:masterClrMapping/>
   </p:clrMapOvr>
+  <p:timing>
+    <p:tnLst>
+      <p:par>
+        <p:cTn id="1" dur="indefinite" restart="never" nodeType="tmRoot">
+          <p:childTnLst>
+            <p:seq concurrent="1" nextAc="seek">
+              <p:cTn id="2" dur="indefinite" nodeType="mainSeq">
+                <p:childTnLst>
+                  <p:par>
+                    <p:cTn id="3" fill="hold">
+                      <p:stCondLst>
+                        <p:cond delay="indefinite"/>
+                      </p:stCondLst>
+                      <p:childTnLst>
+                        <p:par>
+                          <p:cTn id="4" fill="hold">
+                            <p:stCondLst>
+                              <p:cond delay="0"/>
+                            </p:stCondLst>
+                            <p:childTnLst>
+                              <p:par>
+                                <p:cTn id="5" presetID="1" presetClass="mediacall" presetSubtype="0" fill="hold" nodeType="clickEffect">
+                                  <p:stCondLst>
+                                    <p:cond delay="0"/>
+                                  </p:stCondLst>
+                                  <p:childTnLst>
+                                    <p:cmd type="call" cmd="playFrom(0.0)">
+                                      <p:cBhvr>
+                                        <p:cTn id="6" dur="1017" fill="hold"/>
+                                        <p:tgtEl>
+                                          <p:spTgt spid="5"/>
+                                        </p:tgtEl>
+                                      </p:cBhvr>
+                                    </p:cmd>
+                                  </p:childTnLst>
+                                </p:cTn>
+                              </p:par>
+                            </p:childTnLst>
+                          </p:cTn>
+                        </p:par>
+                      </p:childTnLst>
+                    </p:cTn>
+                  </p:par>
+                </p:childTnLst>
+              </p:cTn>
+              <p:prevCondLst>
+                <p:cond evt="onPrev" delay="0">
+                  <p:tgtEl>
+                    <p:sldTgt/>
+                  </p:tgtEl>
+                </p:cond>
+              </p:prevCondLst>
+              <p:nextCondLst>
+                <p:cond evt="onNext" delay="0">
+                  <p:tgtEl>
+                    <p:sldTgt/>
+                  </p:tgtEl>
+                </p:cond>
+              </p:nextCondLst>
+            </p:seq>
+            <p:audio>
+              <p:cMediaNode vol="80000">
+                <p:cTn id="7" fill="hold" display="0">
+                  <p:stCondLst>
+                    <p:cond delay="indefinite"/>
+                  </p:stCondLst>
+                  <p:endCondLst>
+                    <p:cond evt="onStopAudio" delay="0">
+                      <p:tgtEl>
+                        <p:sldTgt/>
+                      </p:tgtEl>
+                    </p:cond>
+                  </p:endCondLst>
+                </p:cTn>
+                <p:tgtEl>
+                  <p:spTgt spid="5"/>
+                </p:tgtEl>
+              </p:cMediaNode>
+            </p:audio>
+          </p:childTnLst>
+        </p:cTn>
+      </p:par>
+    </p:tnLst>
+  </p:timing>
 </p:sld>
 </file>
 
-<file path=ppt/slides/slide13.xml><?xml version="1.0" encoding="utf-8"?>
+<file path=ppt/slides/slide15.xml><?xml version="1.0" encoding="utf-8"?>
 <p:sld xmlns:a="http://schemas.openxmlformats.org/drawingml/2006/main" xmlns:r="http://schemas.openxmlformats.org/officeDocument/2006/relationships" xmlns:p="http://schemas.openxmlformats.org/presentationml/2006/main">
   <p:cSld>
     <p:bg>
@@ -8365,7 +9431,7 @@
 </p:sld>
 </file>
 
-<file path=ppt/slides/slide14.xml><?xml version="1.0" encoding="utf-8"?>
+<file path=ppt/slides/slide16.xml><?xml version="1.0" encoding="utf-8"?>
 <p:sld xmlns:a="http://schemas.openxmlformats.org/drawingml/2006/main" xmlns:r="http://schemas.openxmlformats.org/officeDocument/2006/relationships" xmlns:p="http://schemas.openxmlformats.org/presentationml/2006/main">
   <p:cSld>
     <p:bg>
@@ -9108,7 +10174,7 @@
 </p:sld>
 </file>
 
-<file path=ppt/slides/slide15.xml><?xml version="1.0" encoding="utf-8"?>
+<file path=ppt/slides/slide17.xml><?xml version="1.0" encoding="utf-8"?>
 <p:sld xmlns:a="http://schemas.openxmlformats.org/drawingml/2006/main" xmlns:r="http://schemas.openxmlformats.org/officeDocument/2006/relationships" xmlns:p="http://schemas.openxmlformats.org/presentationml/2006/main">
   <p:cSld>
     <p:bg>
@@ -17249,6 +18315,15 @@
 </file>
 
 <file path=customXml/item1.xml><?xml version="1.0" encoding="utf-8"?>
+<?mso-contentType ?>
+<FormTemplates xmlns="http://schemas.microsoft.com/sharepoint/v3/contenttype/forms">
+  <Display>DocumentLibraryForm</Display>
+  <Edit>DocumentLibraryForm</Edit>
+  <New>DocumentLibraryForm</New>
+</FormTemplates>
+</file>
+
+<file path=customXml/item2.xml><?xml version="1.0" encoding="utf-8"?>
 <ct:contentTypeSchema xmlns:ct="http://schemas.microsoft.com/office/2006/metadata/contentType" xmlns:ma="http://schemas.microsoft.com/office/2006/metadata/properties/metaAttributes" ct:_="" ma:_="" ma:contentTypeName="Documento" ma:contentTypeID="0x010100835810C3B2B3B74FAD4B2E253C9AAF23" ma:contentTypeVersion="4" ma:contentTypeDescription="Creare un nuovo documento." ma:contentTypeScope="" ma:versionID="adbaf7f7a8462b730c2048cb63cbc835">
   <xsd:schema xmlns:xsd="http://www.w3.org/2001/XMLSchema" xmlns:xs="http://www.w3.org/2001/XMLSchema" xmlns:p="http://schemas.microsoft.com/office/2006/metadata/properties" xmlns:ns2="dead622a-4210-407e-b5f7-87719965a8f9" xmlns:ns3="70dde9c1-59ea-49fe-b723-e9dd12a89eaf" targetNamespace="http://schemas.microsoft.com/office/2006/metadata/properties" ma:root="true" ma:fieldsID="1e1ebc6c0631f4c3adfe70bda37a8f56" ns2:_="" ns3:_="">
     <xsd:import namespace="dead622a-4210-407e-b5f7-87719965a8f9"/>
@@ -17413,16 +18488,15 @@
 </ct:contentTypeSchema>
 </file>
 
-<file path=customXml/item2.xml><?xml version="1.0" encoding="utf-8"?>
-<?mso-contentType ?>
-<FormTemplates xmlns="http://schemas.microsoft.com/sharepoint/v3/contenttype/forms">
-  <Display>DocumentLibraryForm</Display>
-  <Edit>DocumentLibraryForm</Edit>
-  <New>DocumentLibraryForm</New>
-</FormTemplates>
+<file path=customXml/itemProps1.xml><?xml version="1.0" encoding="utf-8"?>
+<ds:datastoreItem xmlns:ds="http://schemas.openxmlformats.org/officeDocument/2006/customXml" ds:itemID="{E21F5445-B30D-4DC7-A8D6-23D255D93F62}">
+  <ds:schemaRefs>
+    <ds:schemaRef ds:uri="http://schemas.microsoft.com/sharepoint/v3/contenttype/forms"/>
+  </ds:schemaRefs>
+</ds:datastoreItem>
 </file>
 
-<file path=customXml/itemProps1.xml><?xml version="1.0" encoding="utf-8"?>
+<file path=customXml/itemProps2.xml><?xml version="1.0" encoding="utf-8"?>
 <ds:datastoreItem xmlns:ds="http://schemas.openxmlformats.org/officeDocument/2006/customXml" ds:itemID="{92DD7F58-5CEF-4393-953C-B5D5583EAC56}">
   <ds:schemaRefs>
     <ds:schemaRef ds:uri="http://schemas.microsoft.com/office/2006/metadata/contentType"/>
@@ -17439,12 +18513,4 @@
     <ds:schemaRef ds:uri="http://schemas.microsoft.com/internal/obd"/>
   </ds:schemaRefs>
 </ds:datastoreItem>
-</file>
-
-<file path=customXml/itemProps2.xml><?xml version="1.0" encoding="utf-8"?>
-<ds:datastoreItem xmlns:ds="http://schemas.openxmlformats.org/officeDocument/2006/customXml" ds:itemID="{E21F5445-B30D-4DC7-A8D6-23D255D93F62}">
-  <ds:schemaRefs>
-    <ds:schemaRef ds:uri="http://schemas.microsoft.com/sharepoint/v3/contenttype/forms"/>
-  </ds:schemaRefs>
-</ds:datastoreItem>
 </file>